--- a/Gestao de Projetos/PPT/Aula 04/Aula 04.pptx
+++ b/Gestao de Projetos/PPT/Aula 04/Aula 04.pptx
@@ -6,6 +6,14 @@
   </p:sldMasterIdLst>
   <p:sldIdLst>
     <p:sldId id="256" r:id="rId2"/>
+    <p:sldId id="257" r:id="rId3"/>
+    <p:sldId id="258" r:id="rId4"/>
+    <p:sldId id="259" r:id="rId5"/>
+    <p:sldId id="260" r:id="rId6"/>
+    <p:sldId id="261" r:id="rId7"/>
+    <p:sldId id="262" r:id="rId8"/>
+    <p:sldId id="263" r:id="rId9"/>
+    <p:sldId id="264" r:id="rId10"/>
   </p:sldIdLst>
   <p:sldSz cx="12192000" cy="6858000"/>
   <p:notesSz cx="6858000" cy="9144000"/>
@@ -263,7 +271,7 @@
           <a:p>
             <a:fld id="{8C28A28C-4C6A-46EA-90C0-4EE0B89CC5C7}" type="datetimeFigureOut">
               <a:rPr lang="en-US" smtClean="0"/>
-              <a:t>12/26/2023</a:t>
+              <a:t>12/28/2023</a:t>
             </a:fld>
             <a:endParaRPr lang="en-US" dirty="0"/>
           </a:p>
@@ -461,7 +469,7 @@
           <a:p>
             <a:fld id="{8C28A28C-4C6A-46EA-90C0-4EE0B89CC5C7}" type="datetimeFigureOut">
               <a:rPr lang="en-US" smtClean="0"/>
-              <a:t>12/26/2023</a:t>
+              <a:t>12/28/2023</a:t>
             </a:fld>
             <a:endParaRPr lang="en-US"/>
           </a:p>
@@ -669,7 +677,7 @@
           <a:p>
             <a:fld id="{8C28A28C-4C6A-46EA-90C0-4EE0B89CC5C7}" type="datetimeFigureOut">
               <a:rPr lang="en-US" smtClean="0"/>
-              <a:t>12/26/2023</a:t>
+              <a:t>12/28/2023</a:t>
             </a:fld>
             <a:endParaRPr lang="en-US"/>
           </a:p>
@@ -867,7 +875,7 @@
           <a:p>
             <a:fld id="{8C28A28C-4C6A-46EA-90C0-4EE0B89CC5C7}" type="datetimeFigureOut">
               <a:rPr lang="en-US" smtClean="0"/>
-              <a:t>12/26/2023</a:t>
+              <a:t>12/28/2023</a:t>
             </a:fld>
             <a:endParaRPr lang="en-US"/>
           </a:p>
@@ -1144,7 +1152,7 @@
           <a:p>
             <a:fld id="{8C28A28C-4C6A-46EA-90C0-4EE0B89CC5C7}" type="datetimeFigureOut">
               <a:rPr lang="en-US" smtClean="0"/>
-              <a:t>12/26/2023</a:t>
+              <a:t>12/28/2023</a:t>
             </a:fld>
             <a:endParaRPr lang="en-US"/>
           </a:p>
@@ -1409,7 +1417,7 @@
           <a:p>
             <a:fld id="{8C28A28C-4C6A-46EA-90C0-4EE0B89CC5C7}" type="datetimeFigureOut">
               <a:rPr lang="en-US" smtClean="0"/>
-              <a:t>12/26/2023</a:t>
+              <a:t>12/28/2023</a:t>
             </a:fld>
             <a:endParaRPr lang="en-US"/>
           </a:p>
@@ -1821,7 +1829,7 @@
           <a:p>
             <a:fld id="{8C28A28C-4C6A-46EA-90C0-4EE0B89CC5C7}" type="datetimeFigureOut">
               <a:rPr lang="en-US" smtClean="0"/>
-              <a:t>12/26/2023</a:t>
+              <a:t>12/28/2023</a:t>
             </a:fld>
             <a:endParaRPr lang="en-US"/>
           </a:p>
@@ -1962,7 +1970,7 @@
           <a:p>
             <a:fld id="{8C28A28C-4C6A-46EA-90C0-4EE0B89CC5C7}" type="datetimeFigureOut">
               <a:rPr lang="en-US" smtClean="0"/>
-              <a:t>12/26/2023</a:t>
+              <a:t>12/28/2023</a:t>
             </a:fld>
             <a:endParaRPr lang="en-US"/>
           </a:p>
@@ -2075,7 +2083,7 @@
           <a:p>
             <a:fld id="{8C28A28C-4C6A-46EA-90C0-4EE0B89CC5C7}" type="datetimeFigureOut">
               <a:rPr lang="en-US" smtClean="0"/>
-              <a:t>12/26/2023</a:t>
+              <a:t>12/28/2023</a:t>
             </a:fld>
             <a:endParaRPr lang="en-US"/>
           </a:p>
@@ -2388,7 +2396,7 @@
           <a:p>
             <a:fld id="{8C28A28C-4C6A-46EA-90C0-4EE0B89CC5C7}" type="datetimeFigureOut">
               <a:rPr lang="en-US" smtClean="0"/>
-              <a:t>12/26/2023</a:t>
+              <a:t>12/28/2023</a:t>
             </a:fld>
             <a:endParaRPr lang="en-US"/>
           </a:p>
@@ -2676,7 +2684,7 @@
           <a:p>
             <a:fld id="{8C28A28C-4C6A-46EA-90C0-4EE0B89CC5C7}" type="datetimeFigureOut">
               <a:rPr lang="en-US" smtClean="0"/>
-              <a:t>12/26/2023</a:t>
+              <a:t>12/28/2023</a:t>
             </a:fld>
             <a:endParaRPr lang="en-US"/>
           </a:p>
@@ -3031,7 +3039,7 @@
             <a:fld id="{8C28A28C-4C6A-46EA-90C0-4EE0B89CC5C7}" type="datetimeFigureOut">
               <a:rPr lang="en-US" smtClean="0"/>
               <a:pPr/>
-              <a:t>12/26/2023</a:t>
+              <a:t>12/28/2023</a:t>
             </a:fld>
             <a:endParaRPr lang="en-US" dirty="0"/>
           </a:p>
@@ -3597,14 +3605,6 @@
               <a:rPr lang="pt-BR" dirty="0" err="1"/>
               <a:t>Jira</a:t>
             </a:r>
-            <a:r>
-              <a:rPr lang="pt-BR" dirty="0"/>
-              <a:t> - </a:t>
-            </a:r>
-            <a:r>
-              <a:rPr lang="pt-BR"/>
-              <a:t>Gantt</a:t>
-            </a:r>
             <a:endParaRPr lang="pt-BR" dirty="0"/>
           </a:p>
         </p:txBody>
@@ -4062,6 +4062,2359 @@
     <p:extLst>
       <p:ext uri="{BB962C8B-B14F-4D97-AF65-F5344CB8AC3E}">
         <p14:creationId xmlns:p14="http://schemas.microsoft.com/office/powerpoint/2010/main" val="302724719"/>
+      </p:ext>
+    </p:extLst>
+  </p:cSld>
+  <p:clrMapOvr>
+    <a:masterClrMapping/>
+  </p:clrMapOvr>
+</p:sld>
+</file>
+
+<file path=ppt/slides/slide2.xml><?xml version="1.0" encoding="utf-8"?>
+<p:sld xmlns:a="http://schemas.openxmlformats.org/drawingml/2006/main" xmlns:r="http://schemas.openxmlformats.org/officeDocument/2006/relationships" xmlns:p="http://schemas.openxmlformats.org/presentationml/2006/main">
+  <p:cSld>
+    <p:spTree>
+      <p:nvGrpSpPr>
+        <p:cNvPr id="1" name=""/>
+        <p:cNvGrpSpPr/>
+        <p:nvPr/>
+      </p:nvGrpSpPr>
+      <p:grpSpPr>
+        <a:xfrm>
+          <a:off x="0" y="0"/>
+          <a:ext cx="0" cy="0"/>
+          <a:chOff x="0" y="0"/>
+          <a:chExt cx="0" cy="0"/>
+        </a:xfrm>
+      </p:grpSpPr>
+      <p:pic>
+        <p:nvPicPr>
+          <p:cNvPr id="1026" name="Picture 2" descr="Jira Logo, symbol, meaning, history, PNG, brand">
+            <a:extLst>
+              <a:ext uri="{FF2B5EF4-FFF2-40B4-BE49-F238E27FC236}">
+                <a16:creationId xmlns:a16="http://schemas.microsoft.com/office/drawing/2014/main" id="{299BC583-9CE2-F67B-2E6A-ABA3536196EF}"/>
+              </a:ext>
+            </a:extLst>
+          </p:cNvPr>
+          <p:cNvPicPr>
+            <a:picLocks noChangeAspect="1" noChangeArrowheads="1"/>
+          </p:cNvPicPr>
+          <p:nvPr/>
+        </p:nvPicPr>
+        <p:blipFill rotWithShape="1">
+          <a:blip r:embed="rId2">
+            <a:extLst>
+              <a:ext uri="{28A0092B-C50C-407E-A947-70E740481C1C}">
+                <a14:useLocalDpi xmlns:a14="http://schemas.microsoft.com/office/drawing/2010/main" val="0"/>
+              </a:ext>
+            </a:extLst>
+          </a:blip>
+          <a:srcRect b="50000"/>
+          <a:stretch/>
+        </p:blipFill>
+        <p:spPr bwMode="auto">
+          <a:xfrm>
+            <a:off x="0" y="0"/>
+            <a:ext cx="12192000" cy="3429000"/>
+          </a:xfrm>
+          <a:prstGeom prst="rect">
+            <a:avLst/>
+          </a:prstGeom>
+          <a:noFill/>
+          <a:extLst>
+            <a:ext uri="{909E8E84-426E-40DD-AFC4-6F175D3DCCD1}">
+              <a14:hiddenFill xmlns:a14="http://schemas.microsoft.com/office/drawing/2010/main">
+                <a:solidFill>
+                  <a:srgbClr val="FFFFFF"/>
+                </a:solidFill>
+              </a14:hiddenFill>
+            </a:ext>
+          </a:extLst>
+        </p:spPr>
+      </p:pic>
+      <p:pic>
+        <p:nvPicPr>
+          <p:cNvPr id="2" name="Picture 2" descr="Jira Logo, symbol, meaning, history, PNG, brand">
+            <a:extLst>
+              <a:ext uri="{FF2B5EF4-FFF2-40B4-BE49-F238E27FC236}">
+                <a16:creationId xmlns:a16="http://schemas.microsoft.com/office/drawing/2014/main" id="{072BF80B-0AF5-603B-7FF4-E392E743DEFF}"/>
+              </a:ext>
+            </a:extLst>
+          </p:cNvPr>
+          <p:cNvPicPr>
+            <a:picLocks noChangeAspect="1" noChangeArrowheads="1"/>
+          </p:cNvPicPr>
+          <p:nvPr/>
+        </p:nvPicPr>
+        <p:blipFill rotWithShape="1">
+          <a:blip r:embed="rId2">
+            <a:extLst>
+              <a:ext uri="{28A0092B-C50C-407E-A947-70E740481C1C}">
+                <a14:useLocalDpi xmlns:a14="http://schemas.microsoft.com/office/drawing/2010/main" val="0"/>
+              </a:ext>
+            </a:extLst>
+          </a:blip>
+          <a:srcRect t="50000"/>
+          <a:stretch/>
+        </p:blipFill>
+        <p:spPr bwMode="auto">
+          <a:xfrm>
+            <a:off x="0" y="3429000"/>
+            <a:ext cx="12192000" cy="3429000"/>
+          </a:xfrm>
+          <a:prstGeom prst="rect">
+            <a:avLst/>
+          </a:prstGeom>
+          <a:noFill/>
+          <a:extLst>
+            <a:ext uri="{909E8E84-426E-40DD-AFC4-6F175D3DCCD1}">
+              <a14:hiddenFill xmlns:a14="http://schemas.microsoft.com/office/drawing/2010/main">
+                <a:solidFill>
+                  <a:srgbClr val="FFFFFF"/>
+                </a:solidFill>
+              </a14:hiddenFill>
+            </a:ext>
+          </a:extLst>
+        </p:spPr>
+      </p:pic>
+    </p:spTree>
+    <p:extLst>
+      <p:ext uri="{BB962C8B-B14F-4D97-AF65-F5344CB8AC3E}">
+        <p14:creationId xmlns:p14="http://schemas.microsoft.com/office/powerpoint/2010/main" val="229463502"/>
+      </p:ext>
+    </p:extLst>
+  </p:cSld>
+  <p:clrMapOvr>
+    <a:masterClrMapping/>
+  </p:clrMapOvr>
+</p:sld>
+</file>
+
+<file path=ppt/slides/slide3.xml><?xml version="1.0" encoding="utf-8"?>
+<p:sld xmlns:a="http://schemas.openxmlformats.org/drawingml/2006/main" xmlns:r="http://schemas.openxmlformats.org/officeDocument/2006/relationships" xmlns:p="http://schemas.openxmlformats.org/presentationml/2006/main">
+  <p:cSld>
+    <p:spTree>
+      <p:nvGrpSpPr>
+        <p:cNvPr id="1" name=""/>
+        <p:cNvGrpSpPr/>
+        <p:nvPr/>
+      </p:nvGrpSpPr>
+      <p:grpSpPr>
+        <a:xfrm>
+          <a:off x="0" y="0"/>
+          <a:ext cx="0" cy="0"/>
+          <a:chOff x="0" y="0"/>
+          <a:chExt cx="0" cy="0"/>
+        </a:xfrm>
+      </p:grpSpPr>
+      <p:pic>
+        <p:nvPicPr>
+          <p:cNvPr id="1026" name="Picture 2" descr="Jira Logo, symbol, meaning, history, PNG, brand">
+            <a:extLst>
+              <a:ext uri="{FF2B5EF4-FFF2-40B4-BE49-F238E27FC236}">
+                <a16:creationId xmlns:a16="http://schemas.microsoft.com/office/drawing/2014/main" id="{299BC583-9CE2-F67B-2E6A-ABA3536196EF}"/>
+              </a:ext>
+            </a:extLst>
+          </p:cNvPr>
+          <p:cNvPicPr>
+            <a:picLocks noChangeAspect="1" noChangeArrowheads="1"/>
+          </p:cNvPicPr>
+          <p:nvPr/>
+        </p:nvPicPr>
+        <p:blipFill rotWithShape="1">
+          <a:blip r:embed="rId2">
+            <a:extLst>
+              <a:ext uri="{28A0092B-C50C-407E-A947-70E740481C1C}">
+                <a14:useLocalDpi xmlns:a14="http://schemas.microsoft.com/office/drawing/2010/main" val="0"/>
+              </a:ext>
+            </a:extLst>
+          </a:blip>
+          <a:srcRect b="50000"/>
+          <a:stretch/>
+        </p:blipFill>
+        <p:spPr bwMode="auto">
+          <a:xfrm>
+            <a:off x="0" y="-1012054"/>
+            <a:ext cx="12192000" cy="3429000"/>
+          </a:xfrm>
+          <a:prstGeom prst="rect">
+            <a:avLst/>
+          </a:prstGeom>
+          <a:noFill/>
+          <a:extLst>
+            <a:ext uri="{909E8E84-426E-40DD-AFC4-6F175D3DCCD1}">
+              <a14:hiddenFill xmlns:a14="http://schemas.microsoft.com/office/drawing/2010/main">
+                <a:solidFill>
+                  <a:srgbClr val="FFFFFF"/>
+                </a:solidFill>
+              </a14:hiddenFill>
+            </a:ext>
+          </a:extLst>
+        </p:spPr>
+      </p:pic>
+      <p:pic>
+        <p:nvPicPr>
+          <p:cNvPr id="2" name="Picture 2" descr="Jira Logo, symbol, meaning, history, PNG, brand">
+            <a:extLst>
+              <a:ext uri="{FF2B5EF4-FFF2-40B4-BE49-F238E27FC236}">
+                <a16:creationId xmlns:a16="http://schemas.microsoft.com/office/drawing/2014/main" id="{072BF80B-0AF5-603B-7FF4-E392E743DEFF}"/>
+              </a:ext>
+            </a:extLst>
+          </p:cNvPr>
+          <p:cNvPicPr>
+            <a:picLocks noChangeAspect="1" noChangeArrowheads="1"/>
+          </p:cNvPicPr>
+          <p:nvPr/>
+        </p:nvPicPr>
+        <p:blipFill rotWithShape="1">
+          <a:blip r:embed="rId2">
+            <a:extLst>
+              <a:ext uri="{28A0092B-C50C-407E-A947-70E740481C1C}">
+                <a14:useLocalDpi xmlns:a14="http://schemas.microsoft.com/office/drawing/2010/main" val="0"/>
+              </a:ext>
+            </a:extLst>
+          </a:blip>
+          <a:srcRect t="50000"/>
+          <a:stretch/>
+        </p:blipFill>
+        <p:spPr bwMode="auto">
+          <a:xfrm>
+            <a:off x="0" y="4441055"/>
+            <a:ext cx="12192000" cy="3429000"/>
+          </a:xfrm>
+          <a:prstGeom prst="rect">
+            <a:avLst/>
+          </a:prstGeom>
+          <a:noFill/>
+          <a:extLst>
+            <a:ext uri="{909E8E84-426E-40DD-AFC4-6F175D3DCCD1}">
+              <a14:hiddenFill xmlns:a14="http://schemas.microsoft.com/office/drawing/2010/main">
+                <a:solidFill>
+                  <a:srgbClr val="FFFFFF"/>
+                </a:solidFill>
+              </a14:hiddenFill>
+            </a:ext>
+          </a:extLst>
+        </p:spPr>
+      </p:pic>
+      <mc:AlternateContent xmlns:mc="http://schemas.openxmlformats.org/markup-compatibility/2006">
+        <mc:Choice xmlns:pslz="http://schemas.microsoft.com/office/powerpoint/2016/slidezoom" Requires="pslz">
+          <p:graphicFrame>
+            <p:nvGraphicFramePr>
+              <p:cNvPr id="37" name="Zoom de Slide 36">
+                <a:extLst>
+                  <a:ext uri="{FF2B5EF4-FFF2-40B4-BE49-F238E27FC236}">
+                    <a16:creationId xmlns:a16="http://schemas.microsoft.com/office/drawing/2014/main" id="{485A0AE6-7920-F01B-E1F6-73E20BDD974C}"/>
+                  </a:ext>
+                </a:extLst>
+              </p:cNvPr>
+              <p:cNvGraphicFramePr>
+                <a:graphicFrameLocks noChangeAspect="1"/>
+              </p:cNvGraphicFramePr>
+              <p:nvPr>
+                <p:extLst>
+                  <p:ext uri="{D42A27DB-BD31-4B8C-83A1-F6EECF244321}">
+                    <p14:modId xmlns:p14="http://schemas.microsoft.com/office/powerpoint/2010/main" val="4085496080"/>
+                  </p:ext>
+                </p:extLst>
+              </p:nvPr>
+            </p:nvGraphicFramePr>
+            <p:xfrm>
+              <a:off x="612032" y="2936152"/>
+              <a:ext cx="1639348" cy="922133"/>
+            </p:xfrm>
+            <a:graphic>
+              <a:graphicData uri="http://schemas.microsoft.com/office/powerpoint/2016/slidezoom">
+                <pslz:sldZm>
+                  <pslz:sldZmObj sldId="259" cId="3356647982">
+                    <pslz:zmPr id="{ACB7EF8C-79F6-4532-B1D9-43F38B40AC4E}" returnToParent="0" transitionDur="1000">
+                      <p166:blipFill xmlns:p166="http://schemas.microsoft.com/office/powerpoint/2016/6/main">
+                        <a:blip r:embed="rId3"/>
+                        <a:stretch>
+                          <a:fillRect/>
+                        </a:stretch>
+                      </p166:blipFill>
+                      <p166:spPr xmlns:p166="http://schemas.microsoft.com/office/powerpoint/2016/6/main">
+                        <a:xfrm>
+                          <a:off x="0" y="0"/>
+                          <a:ext cx="1639348" cy="922133"/>
+                        </a:xfrm>
+                        <a:prstGeom prst="rect">
+                          <a:avLst/>
+                        </a:prstGeom>
+                        <a:ln w="3175">
+                          <a:solidFill>
+                            <a:prstClr val="ltGray"/>
+                          </a:solidFill>
+                        </a:ln>
+                      </p166:spPr>
+                    </pslz:zmPr>
+                  </pslz:sldZmObj>
+                </pslz:sldZm>
+              </a:graphicData>
+            </a:graphic>
+          </p:graphicFrame>
+        </mc:Choice>
+        <mc:Fallback>
+          <p:pic>
+            <p:nvPicPr>
+              <p:cNvPr id="37" name="Zoom de Slide 36">
+                <a:hlinkClick r:id="rId4" action="ppaction://hlinksldjump"/>
+                <a:extLst>
+                  <a:ext uri="{FF2B5EF4-FFF2-40B4-BE49-F238E27FC236}">
+                    <a16:creationId xmlns:a16="http://schemas.microsoft.com/office/drawing/2014/main" id="{485A0AE6-7920-F01B-E1F6-73E20BDD974C}"/>
+                  </a:ext>
+                </a:extLst>
+              </p:cNvPr>
+              <p:cNvPicPr>
+                <a:picLocks noGrp="1" noRot="1" noChangeAspect="1" noMove="1" noResize="1" noEditPoints="1" noAdjustHandles="1" noChangeArrowheads="1" noChangeShapeType="1"/>
+              </p:cNvPicPr>
+              <p:nvPr/>
+            </p:nvPicPr>
+            <p:blipFill>
+              <a:blip r:embed="rId3"/>
+              <a:stretch>
+                <a:fillRect/>
+              </a:stretch>
+            </p:blipFill>
+            <p:spPr>
+              <a:xfrm>
+                <a:off x="612032" y="2936152"/>
+                <a:ext cx="1639348" cy="922133"/>
+              </a:xfrm>
+              <a:prstGeom prst="rect">
+                <a:avLst/>
+              </a:prstGeom>
+              <a:ln w="3175">
+                <a:solidFill>
+                  <a:prstClr val="ltGray"/>
+                </a:solidFill>
+              </a:ln>
+            </p:spPr>
+          </p:pic>
+        </mc:Fallback>
+      </mc:AlternateContent>
+      <mc:AlternateContent xmlns:mc="http://schemas.openxmlformats.org/markup-compatibility/2006">
+        <mc:Choice xmlns:pslz="http://schemas.microsoft.com/office/powerpoint/2016/slidezoom" Requires="pslz">
+          <p:graphicFrame>
+            <p:nvGraphicFramePr>
+              <p:cNvPr id="39" name="Zoom de Slide 38">
+                <a:extLst>
+                  <a:ext uri="{FF2B5EF4-FFF2-40B4-BE49-F238E27FC236}">
+                    <a16:creationId xmlns:a16="http://schemas.microsoft.com/office/drawing/2014/main" id="{6B73EB61-00D2-62BC-7542-AA783813896E}"/>
+                  </a:ext>
+                </a:extLst>
+              </p:cNvPr>
+              <p:cNvGraphicFramePr>
+                <a:graphicFrameLocks noChangeAspect="1"/>
+              </p:cNvGraphicFramePr>
+              <p:nvPr>
+                <p:extLst>
+                  <p:ext uri="{D42A27DB-BD31-4B8C-83A1-F6EECF244321}">
+                    <p14:modId xmlns:p14="http://schemas.microsoft.com/office/powerpoint/2010/main" val="2538829353"/>
+                  </p:ext>
+                </p:extLst>
+              </p:nvPr>
+            </p:nvGraphicFramePr>
+            <p:xfrm>
+              <a:off x="2497835" y="2967933"/>
+              <a:ext cx="1639348" cy="922133"/>
+            </p:xfrm>
+            <a:graphic>
+              <a:graphicData uri="http://schemas.microsoft.com/office/powerpoint/2016/slidezoom">
+                <pslz:sldZm>
+                  <pslz:sldZmObj sldId="260" cId="3929302904">
+                    <pslz:zmPr id="{B02EF6EC-F85D-4551-A06A-321960F591ED}" returnToParent="0" transitionDur="1000">
+                      <p166:blipFill xmlns:p166="http://schemas.microsoft.com/office/powerpoint/2016/6/main">
+                        <a:blip r:embed="rId5"/>
+                        <a:stretch>
+                          <a:fillRect/>
+                        </a:stretch>
+                      </p166:blipFill>
+                      <p166:spPr xmlns:p166="http://schemas.microsoft.com/office/powerpoint/2016/6/main">
+                        <a:xfrm>
+                          <a:off x="0" y="0"/>
+                          <a:ext cx="1639348" cy="922133"/>
+                        </a:xfrm>
+                        <a:prstGeom prst="rect">
+                          <a:avLst/>
+                        </a:prstGeom>
+                        <a:ln w="3175">
+                          <a:solidFill>
+                            <a:prstClr val="ltGray"/>
+                          </a:solidFill>
+                        </a:ln>
+                      </p166:spPr>
+                    </pslz:zmPr>
+                  </pslz:sldZmObj>
+                </pslz:sldZm>
+              </a:graphicData>
+            </a:graphic>
+          </p:graphicFrame>
+        </mc:Choice>
+        <mc:Fallback>
+          <p:pic>
+            <p:nvPicPr>
+              <p:cNvPr id="39" name="Zoom de Slide 38">
+                <a:hlinkClick r:id="rId6" action="ppaction://hlinksldjump"/>
+                <a:extLst>
+                  <a:ext uri="{FF2B5EF4-FFF2-40B4-BE49-F238E27FC236}">
+                    <a16:creationId xmlns:a16="http://schemas.microsoft.com/office/drawing/2014/main" id="{6B73EB61-00D2-62BC-7542-AA783813896E}"/>
+                  </a:ext>
+                </a:extLst>
+              </p:cNvPr>
+              <p:cNvPicPr>
+                <a:picLocks noGrp="1" noRot="1" noChangeAspect="1" noMove="1" noResize="1" noEditPoints="1" noAdjustHandles="1" noChangeArrowheads="1" noChangeShapeType="1"/>
+              </p:cNvPicPr>
+              <p:nvPr/>
+            </p:nvPicPr>
+            <p:blipFill>
+              <a:blip r:embed="rId5"/>
+              <a:stretch>
+                <a:fillRect/>
+              </a:stretch>
+            </p:blipFill>
+            <p:spPr>
+              <a:xfrm>
+                <a:off x="2497835" y="2967933"/>
+                <a:ext cx="1639348" cy="922133"/>
+              </a:xfrm>
+              <a:prstGeom prst="rect">
+                <a:avLst/>
+              </a:prstGeom>
+              <a:ln w="3175">
+                <a:solidFill>
+                  <a:prstClr val="ltGray"/>
+                </a:solidFill>
+              </a:ln>
+            </p:spPr>
+          </p:pic>
+        </mc:Fallback>
+      </mc:AlternateContent>
+      <mc:AlternateContent xmlns:mc="http://schemas.openxmlformats.org/markup-compatibility/2006">
+        <mc:Choice xmlns:pslz="http://schemas.microsoft.com/office/powerpoint/2016/slidezoom" Requires="pslz">
+          <p:graphicFrame>
+            <p:nvGraphicFramePr>
+              <p:cNvPr id="41" name="Zoom de Slide 40">
+                <a:extLst>
+                  <a:ext uri="{FF2B5EF4-FFF2-40B4-BE49-F238E27FC236}">
+                    <a16:creationId xmlns:a16="http://schemas.microsoft.com/office/drawing/2014/main" id="{82756BEB-1826-D7A6-C963-8153C4769DED}"/>
+                  </a:ext>
+                </a:extLst>
+              </p:cNvPr>
+              <p:cNvGraphicFramePr>
+                <a:graphicFrameLocks noChangeAspect="1"/>
+              </p:cNvGraphicFramePr>
+              <p:nvPr>
+                <p:extLst>
+                  <p:ext uri="{D42A27DB-BD31-4B8C-83A1-F6EECF244321}">
+                    <p14:modId xmlns:p14="http://schemas.microsoft.com/office/powerpoint/2010/main" val="53096320"/>
+                  </p:ext>
+                </p:extLst>
+              </p:nvPr>
+            </p:nvGraphicFramePr>
+            <p:xfrm>
+              <a:off x="4383638" y="2978497"/>
+              <a:ext cx="1639348" cy="922133"/>
+            </p:xfrm>
+            <a:graphic>
+              <a:graphicData uri="http://schemas.microsoft.com/office/powerpoint/2016/slidezoom">
+                <pslz:sldZm>
+                  <pslz:sldZmObj sldId="261" cId="3183252946">
+                    <pslz:zmPr id="{A8A44254-B7FE-43F9-B798-E853FC845F1D}" returnToParent="0" transitionDur="1000">
+                      <p166:blipFill xmlns:p166="http://schemas.microsoft.com/office/powerpoint/2016/6/main">
+                        <a:blip r:embed="rId7"/>
+                        <a:stretch>
+                          <a:fillRect/>
+                        </a:stretch>
+                      </p166:blipFill>
+                      <p166:spPr xmlns:p166="http://schemas.microsoft.com/office/powerpoint/2016/6/main">
+                        <a:xfrm>
+                          <a:off x="0" y="0"/>
+                          <a:ext cx="1639348" cy="922133"/>
+                        </a:xfrm>
+                        <a:prstGeom prst="rect">
+                          <a:avLst/>
+                        </a:prstGeom>
+                        <a:ln w="3175">
+                          <a:solidFill>
+                            <a:prstClr val="ltGray"/>
+                          </a:solidFill>
+                        </a:ln>
+                      </p166:spPr>
+                    </pslz:zmPr>
+                  </pslz:sldZmObj>
+                </pslz:sldZm>
+              </a:graphicData>
+            </a:graphic>
+          </p:graphicFrame>
+        </mc:Choice>
+        <mc:Fallback>
+          <p:pic>
+            <p:nvPicPr>
+              <p:cNvPr id="41" name="Zoom de Slide 40">
+                <a:hlinkClick r:id="rId8" action="ppaction://hlinksldjump"/>
+                <a:extLst>
+                  <a:ext uri="{FF2B5EF4-FFF2-40B4-BE49-F238E27FC236}">
+                    <a16:creationId xmlns:a16="http://schemas.microsoft.com/office/drawing/2014/main" id="{82756BEB-1826-D7A6-C963-8153C4769DED}"/>
+                  </a:ext>
+                </a:extLst>
+              </p:cNvPr>
+              <p:cNvPicPr>
+                <a:picLocks noGrp="1" noRot="1" noChangeAspect="1" noMove="1" noResize="1" noEditPoints="1" noAdjustHandles="1" noChangeArrowheads="1" noChangeShapeType="1"/>
+              </p:cNvPicPr>
+              <p:nvPr/>
+            </p:nvPicPr>
+            <p:blipFill>
+              <a:blip r:embed="rId7"/>
+              <a:stretch>
+                <a:fillRect/>
+              </a:stretch>
+            </p:blipFill>
+            <p:spPr>
+              <a:xfrm>
+                <a:off x="4383638" y="2978497"/>
+                <a:ext cx="1639348" cy="922133"/>
+              </a:xfrm>
+              <a:prstGeom prst="rect">
+                <a:avLst/>
+              </a:prstGeom>
+              <a:ln w="3175">
+                <a:solidFill>
+                  <a:prstClr val="ltGray"/>
+                </a:solidFill>
+              </a:ln>
+            </p:spPr>
+          </p:pic>
+        </mc:Fallback>
+      </mc:AlternateContent>
+      <mc:AlternateContent xmlns:mc="http://schemas.openxmlformats.org/markup-compatibility/2006">
+        <mc:Choice xmlns:pslz="http://schemas.microsoft.com/office/powerpoint/2016/slidezoom" Requires="pslz">
+          <p:graphicFrame>
+            <p:nvGraphicFramePr>
+              <p:cNvPr id="43" name="Zoom de Slide 42">
+                <a:extLst>
+                  <a:ext uri="{FF2B5EF4-FFF2-40B4-BE49-F238E27FC236}">
+                    <a16:creationId xmlns:a16="http://schemas.microsoft.com/office/drawing/2014/main" id="{64591411-FE46-4D29-B22A-6985DECCA770}"/>
+                  </a:ext>
+                </a:extLst>
+              </p:cNvPr>
+              <p:cNvGraphicFramePr>
+                <a:graphicFrameLocks noChangeAspect="1"/>
+              </p:cNvGraphicFramePr>
+              <p:nvPr>
+                <p:extLst>
+                  <p:ext uri="{D42A27DB-BD31-4B8C-83A1-F6EECF244321}">
+                    <p14:modId xmlns:p14="http://schemas.microsoft.com/office/powerpoint/2010/main" val="2630136884"/>
+                  </p:ext>
+                </p:extLst>
+              </p:nvPr>
+            </p:nvGraphicFramePr>
+            <p:xfrm>
+              <a:off x="6269441" y="2978497"/>
+              <a:ext cx="1639348" cy="922133"/>
+            </p:xfrm>
+            <a:graphic>
+              <a:graphicData uri="http://schemas.microsoft.com/office/powerpoint/2016/slidezoom">
+                <pslz:sldZm>
+                  <pslz:sldZmObj sldId="262" cId="327670633">
+                    <pslz:zmPr id="{F6084EF9-4CF4-408A-8256-352F78D2DC52}" returnToParent="0" transitionDur="1000">
+                      <p166:blipFill xmlns:p166="http://schemas.microsoft.com/office/powerpoint/2016/6/main">
+                        <a:blip r:embed="rId9"/>
+                        <a:stretch>
+                          <a:fillRect/>
+                        </a:stretch>
+                      </p166:blipFill>
+                      <p166:spPr xmlns:p166="http://schemas.microsoft.com/office/powerpoint/2016/6/main">
+                        <a:xfrm>
+                          <a:off x="0" y="0"/>
+                          <a:ext cx="1639348" cy="922133"/>
+                        </a:xfrm>
+                        <a:prstGeom prst="rect">
+                          <a:avLst/>
+                        </a:prstGeom>
+                        <a:ln w="3175">
+                          <a:solidFill>
+                            <a:prstClr val="ltGray"/>
+                          </a:solidFill>
+                        </a:ln>
+                      </p166:spPr>
+                    </pslz:zmPr>
+                  </pslz:sldZmObj>
+                </pslz:sldZm>
+              </a:graphicData>
+            </a:graphic>
+          </p:graphicFrame>
+        </mc:Choice>
+        <mc:Fallback>
+          <p:pic>
+            <p:nvPicPr>
+              <p:cNvPr id="43" name="Zoom de Slide 42">
+                <a:hlinkClick r:id="rId10" action="ppaction://hlinksldjump"/>
+                <a:extLst>
+                  <a:ext uri="{FF2B5EF4-FFF2-40B4-BE49-F238E27FC236}">
+                    <a16:creationId xmlns:a16="http://schemas.microsoft.com/office/drawing/2014/main" id="{64591411-FE46-4D29-B22A-6985DECCA770}"/>
+                  </a:ext>
+                </a:extLst>
+              </p:cNvPr>
+              <p:cNvPicPr>
+                <a:picLocks noGrp="1" noRot="1" noChangeAspect="1" noMove="1" noResize="1" noEditPoints="1" noAdjustHandles="1" noChangeArrowheads="1" noChangeShapeType="1"/>
+              </p:cNvPicPr>
+              <p:nvPr/>
+            </p:nvPicPr>
+            <p:blipFill>
+              <a:blip r:embed="rId9"/>
+              <a:stretch>
+                <a:fillRect/>
+              </a:stretch>
+            </p:blipFill>
+            <p:spPr>
+              <a:xfrm>
+                <a:off x="6269441" y="2978497"/>
+                <a:ext cx="1639348" cy="922133"/>
+              </a:xfrm>
+              <a:prstGeom prst="rect">
+                <a:avLst/>
+              </a:prstGeom>
+              <a:ln w="3175">
+                <a:solidFill>
+                  <a:prstClr val="ltGray"/>
+                </a:solidFill>
+              </a:ln>
+            </p:spPr>
+          </p:pic>
+        </mc:Fallback>
+      </mc:AlternateContent>
+      <mc:AlternateContent xmlns:mc="http://schemas.openxmlformats.org/markup-compatibility/2006">
+        <mc:Choice xmlns:pslz="http://schemas.microsoft.com/office/powerpoint/2016/slidezoom" Requires="pslz">
+          <p:graphicFrame>
+            <p:nvGraphicFramePr>
+              <p:cNvPr id="45" name="Zoom de Slide 44">
+                <a:extLst>
+                  <a:ext uri="{FF2B5EF4-FFF2-40B4-BE49-F238E27FC236}">
+                    <a16:creationId xmlns:a16="http://schemas.microsoft.com/office/drawing/2014/main" id="{D68AAE82-4939-9B0D-896D-DA4D8130A8D0}"/>
+                  </a:ext>
+                </a:extLst>
+              </p:cNvPr>
+              <p:cNvGraphicFramePr>
+                <a:graphicFrameLocks noChangeAspect="1"/>
+              </p:cNvGraphicFramePr>
+              <p:nvPr>
+                <p:extLst>
+                  <p:ext uri="{D42A27DB-BD31-4B8C-83A1-F6EECF244321}">
+                    <p14:modId xmlns:p14="http://schemas.microsoft.com/office/powerpoint/2010/main" val="1984532449"/>
+                  </p:ext>
+                </p:extLst>
+              </p:nvPr>
+            </p:nvGraphicFramePr>
+            <p:xfrm>
+              <a:off x="8155244" y="2978497"/>
+              <a:ext cx="1639348" cy="922133"/>
+            </p:xfrm>
+            <a:graphic>
+              <a:graphicData uri="http://schemas.microsoft.com/office/powerpoint/2016/slidezoom">
+                <pslz:sldZm>
+                  <pslz:sldZmObj sldId="263" cId="22241259">
+                    <pslz:zmPr id="{257429DB-113C-433B-9AAD-8B763079493D}" returnToParent="0" transitionDur="1000">
+                      <p166:blipFill xmlns:p166="http://schemas.microsoft.com/office/powerpoint/2016/6/main">
+                        <a:blip r:embed="rId11"/>
+                        <a:stretch>
+                          <a:fillRect/>
+                        </a:stretch>
+                      </p166:blipFill>
+                      <p166:spPr xmlns:p166="http://schemas.microsoft.com/office/powerpoint/2016/6/main">
+                        <a:xfrm>
+                          <a:off x="0" y="0"/>
+                          <a:ext cx="1639348" cy="922133"/>
+                        </a:xfrm>
+                        <a:prstGeom prst="rect">
+                          <a:avLst/>
+                        </a:prstGeom>
+                        <a:ln w="3175">
+                          <a:solidFill>
+                            <a:prstClr val="ltGray"/>
+                          </a:solidFill>
+                        </a:ln>
+                      </p166:spPr>
+                    </pslz:zmPr>
+                  </pslz:sldZmObj>
+                </pslz:sldZm>
+              </a:graphicData>
+            </a:graphic>
+          </p:graphicFrame>
+        </mc:Choice>
+        <mc:Fallback>
+          <p:pic>
+            <p:nvPicPr>
+              <p:cNvPr id="45" name="Zoom de Slide 44">
+                <a:hlinkClick r:id="rId12" action="ppaction://hlinksldjump"/>
+                <a:extLst>
+                  <a:ext uri="{FF2B5EF4-FFF2-40B4-BE49-F238E27FC236}">
+                    <a16:creationId xmlns:a16="http://schemas.microsoft.com/office/drawing/2014/main" id="{D68AAE82-4939-9B0D-896D-DA4D8130A8D0}"/>
+                  </a:ext>
+                </a:extLst>
+              </p:cNvPr>
+              <p:cNvPicPr>
+                <a:picLocks noGrp="1" noRot="1" noChangeAspect="1" noMove="1" noResize="1" noEditPoints="1" noAdjustHandles="1" noChangeArrowheads="1" noChangeShapeType="1"/>
+              </p:cNvPicPr>
+              <p:nvPr/>
+            </p:nvPicPr>
+            <p:blipFill>
+              <a:blip r:embed="rId11"/>
+              <a:stretch>
+                <a:fillRect/>
+              </a:stretch>
+            </p:blipFill>
+            <p:spPr>
+              <a:xfrm>
+                <a:off x="8155244" y="2978497"/>
+                <a:ext cx="1639348" cy="922133"/>
+              </a:xfrm>
+              <a:prstGeom prst="rect">
+                <a:avLst/>
+              </a:prstGeom>
+              <a:ln w="3175">
+                <a:solidFill>
+                  <a:prstClr val="ltGray"/>
+                </a:solidFill>
+              </a:ln>
+            </p:spPr>
+          </p:pic>
+        </mc:Fallback>
+      </mc:AlternateContent>
+      <mc:AlternateContent xmlns:mc="http://schemas.openxmlformats.org/markup-compatibility/2006">
+        <mc:Choice xmlns:pslz="http://schemas.microsoft.com/office/powerpoint/2016/slidezoom" Requires="pslz">
+          <p:graphicFrame>
+            <p:nvGraphicFramePr>
+              <p:cNvPr id="47" name="Zoom de Slide 46">
+                <a:extLst>
+                  <a:ext uri="{FF2B5EF4-FFF2-40B4-BE49-F238E27FC236}">
+                    <a16:creationId xmlns:a16="http://schemas.microsoft.com/office/drawing/2014/main" id="{085FD268-4242-3E3F-0F0E-A208413295F8}"/>
+                  </a:ext>
+                </a:extLst>
+              </p:cNvPr>
+              <p:cNvGraphicFramePr>
+                <a:graphicFrameLocks noChangeAspect="1"/>
+              </p:cNvGraphicFramePr>
+              <p:nvPr>
+                <p:extLst>
+                  <p:ext uri="{D42A27DB-BD31-4B8C-83A1-F6EECF244321}">
+                    <p14:modId xmlns:p14="http://schemas.microsoft.com/office/powerpoint/2010/main" val="1042413534"/>
+                  </p:ext>
+                </p:extLst>
+              </p:nvPr>
+            </p:nvGraphicFramePr>
+            <p:xfrm>
+              <a:off x="10041047" y="2967933"/>
+              <a:ext cx="1639348" cy="922133"/>
+            </p:xfrm>
+            <a:graphic>
+              <a:graphicData uri="http://schemas.microsoft.com/office/powerpoint/2016/slidezoom">
+                <pslz:sldZm>
+                  <pslz:sldZmObj sldId="264" cId="2773001941">
+                    <pslz:zmPr id="{61CE6E6D-9911-4767-825E-3B0E82C583E5}" returnToParent="0" transitionDur="1000">
+                      <p166:blipFill xmlns:p166="http://schemas.microsoft.com/office/powerpoint/2016/6/main">
+                        <a:blip r:embed="rId13"/>
+                        <a:stretch>
+                          <a:fillRect/>
+                        </a:stretch>
+                      </p166:blipFill>
+                      <p166:spPr xmlns:p166="http://schemas.microsoft.com/office/powerpoint/2016/6/main">
+                        <a:xfrm>
+                          <a:off x="0" y="0"/>
+                          <a:ext cx="1639348" cy="922133"/>
+                        </a:xfrm>
+                        <a:prstGeom prst="rect">
+                          <a:avLst/>
+                        </a:prstGeom>
+                        <a:ln w="3175">
+                          <a:solidFill>
+                            <a:prstClr val="ltGray"/>
+                          </a:solidFill>
+                        </a:ln>
+                      </p166:spPr>
+                    </pslz:zmPr>
+                  </pslz:sldZmObj>
+                </pslz:sldZm>
+              </a:graphicData>
+            </a:graphic>
+          </p:graphicFrame>
+        </mc:Choice>
+        <mc:Fallback>
+          <p:pic>
+            <p:nvPicPr>
+              <p:cNvPr id="47" name="Zoom de Slide 46">
+                <a:hlinkClick r:id="rId14" action="ppaction://hlinksldjump"/>
+                <a:extLst>
+                  <a:ext uri="{FF2B5EF4-FFF2-40B4-BE49-F238E27FC236}">
+                    <a16:creationId xmlns:a16="http://schemas.microsoft.com/office/drawing/2014/main" id="{085FD268-4242-3E3F-0F0E-A208413295F8}"/>
+                  </a:ext>
+                </a:extLst>
+              </p:cNvPr>
+              <p:cNvPicPr>
+                <a:picLocks noGrp="1" noRot="1" noChangeAspect="1" noMove="1" noResize="1" noEditPoints="1" noAdjustHandles="1" noChangeArrowheads="1" noChangeShapeType="1"/>
+              </p:cNvPicPr>
+              <p:nvPr/>
+            </p:nvPicPr>
+            <p:blipFill>
+              <a:blip r:embed="rId13"/>
+              <a:stretch>
+                <a:fillRect/>
+              </a:stretch>
+            </p:blipFill>
+            <p:spPr>
+              <a:xfrm>
+                <a:off x="10041047" y="2967933"/>
+                <a:ext cx="1639348" cy="922133"/>
+              </a:xfrm>
+              <a:prstGeom prst="rect">
+                <a:avLst/>
+              </a:prstGeom>
+              <a:ln w="3175">
+                <a:solidFill>
+                  <a:prstClr val="ltGray"/>
+                </a:solidFill>
+              </a:ln>
+            </p:spPr>
+          </p:pic>
+        </mc:Fallback>
+      </mc:AlternateContent>
+    </p:spTree>
+    <p:extLst>
+      <p:ext uri="{BB962C8B-B14F-4D97-AF65-F5344CB8AC3E}">
+        <p14:creationId xmlns:p14="http://schemas.microsoft.com/office/powerpoint/2010/main" val="1289353385"/>
+      </p:ext>
+    </p:extLst>
+  </p:cSld>
+  <p:clrMapOvr>
+    <a:masterClrMapping/>
+  </p:clrMapOvr>
+  <mc:AlternateContent xmlns:mc="http://schemas.openxmlformats.org/markup-compatibility/2006">
+    <mc:Choice xmlns:p159="http://schemas.microsoft.com/office/powerpoint/2015/09/main" Requires="p159">
+      <p:transition xmlns:p14="http://schemas.microsoft.com/office/powerpoint/2010/main" spd="slow" p14:dur="2000">
+        <p159:morph option="byObject"/>
+      </p:transition>
+    </mc:Choice>
+    <mc:Fallback>
+      <p:transition spd="slow">
+        <p:fade/>
+      </p:transition>
+    </mc:Fallback>
+  </mc:AlternateContent>
+</p:sld>
+</file>
+
+<file path=ppt/slides/slide4.xml><?xml version="1.0" encoding="utf-8"?>
+<p:sld xmlns:a="http://schemas.openxmlformats.org/drawingml/2006/main" xmlns:r="http://schemas.openxmlformats.org/officeDocument/2006/relationships" xmlns:p="http://schemas.openxmlformats.org/presentationml/2006/main">
+  <p:cSld>
+    <p:spTree>
+      <p:nvGrpSpPr>
+        <p:cNvPr id="1" name=""/>
+        <p:cNvGrpSpPr/>
+        <p:nvPr/>
+      </p:nvGrpSpPr>
+      <p:grpSpPr>
+        <a:xfrm>
+          <a:off x="0" y="0"/>
+          <a:ext cx="0" cy="0"/>
+          <a:chOff x="0" y="0"/>
+          <a:chExt cx="0" cy="0"/>
+        </a:xfrm>
+      </p:grpSpPr>
+      <p:sp>
+        <p:nvSpPr>
+          <p:cNvPr id="3" name="CaixaDeTexto 2">
+            <a:extLst>
+              <a:ext uri="{FF2B5EF4-FFF2-40B4-BE49-F238E27FC236}">
+                <a16:creationId xmlns:a16="http://schemas.microsoft.com/office/drawing/2014/main" id="{C1328C8D-C507-1A52-B82C-CD0438DFF5E9}"/>
+              </a:ext>
+            </a:extLst>
+          </p:cNvPr>
+          <p:cNvSpPr txBox="1"/>
+          <p:nvPr/>
+        </p:nvSpPr>
+        <p:spPr>
+          <a:xfrm>
+            <a:off x="8271433" y="-1348627"/>
+            <a:ext cx="5473595" cy="9248686"/>
+          </a:xfrm>
+          <a:prstGeom prst="rect">
+            <a:avLst/>
+          </a:prstGeom>
+          <a:noFill/>
+        </p:spPr>
+        <p:txBody>
+          <a:bodyPr wrap="square" rtlCol="0">
+            <a:spAutoFit/>
+          </a:bodyPr>
+          <a:lstStyle/>
+          <a:p>
+            <a:r>
+              <a:rPr lang="pt-BR" sz="59500" dirty="0">
+                <a:solidFill>
+                  <a:srgbClr val="D18BD1">
+                    <a:alpha val="30000"/>
+                  </a:srgbClr>
+                </a:solidFill>
+                <a:latin typeface="Algerian" panose="04020705040A02060702" pitchFamily="82" charset="0"/>
+              </a:rPr>
+              <a:t>J</a:t>
+            </a:r>
+          </a:p>
+        </p:txBody>
+      </p:sp>
+      <p:sp>
+        <p:nvSpPr>
+          <p:cNvPr id="2" name="Retângulo: Cantos Arredondados 1">
+            <a:extLst>
+              <a:ext uri="{FF2B5EF4-FFF2-40B4-BE49-F238E27FC236}">
+                <a16:creationId xmlns:a16="http://schemas.microsoft.com/office/drawing/2014/main" id="{E8D2D15F-FF3B-6647-918D-EC21CAB929AD}"/>
+              </a:ext>
+            </a:extLst>
+          </p:cNvPr>
+          <p:cNvSpPr/>
+          <p:nvPr/>
+        </p:nvSpPr>
+        <p:spPr>
+          <a:xfrm>
+            <a:off x="941034" y="630315"/>
+            <a:ext cx="4625266" cy="852256"/>
+          </a:xfrm>
+          <a:prstGeom prst="roundRect">
+            <a:avLst/>
+          </a:prstGeom>
+          <a:ln>
+            <a:noFill/>
+          </a:ln>
+        </p:spPr>
+        <p:style>
+          <a:lnRef idx="2">
+            <a:schemeClr val="accent1">
+              <a:shade val="15000"/>
+            </a:schemeClr>
+          </a:lnRef>
+          <a:fillRef idx="1">
+            <a:schemeClr val="accent1"/>
+          </a:fillRef>
+          <a:effectRef idx="0">
+            <a:schemeClr val="accent1"/>
+          </a:effectRef>
+          <a:fontRef idx="minor">
+            <a:schemeClr val="lt1"/>
+          </a:fontRef>
+        </p:style>
+        <p:txBody>
+          <a:bodyPr rtlCol="0" anchor="ctr"/>
+          <a:lstStyle/>
+          <a:p>
+            <a:pPr algn="ctr"/>
+            <a:r>
+              <a:rPr lang="pt-BR" sz="3600" b="1" i="0" dirty="0">
+                <a:effectLst/>
+                <a:latin typeface="Söhne"/>
+              </a:rPr>
+              <a:t>Introdução ao </a:t>
+            </a:r>
+            <a:r>
+              <a:rPr lang="pt-BR" sz="3600" b="1" i="0" dirty="0" err="1">
+                <a:effectLst/>
+                <a:latin typeface="Söhne"/>
+              </a:rPr>
+              <a:t>Jira</a:t>
+            </a:r>
+            <a:endParaRPr lang="pt-BR" sz="3600" b="1" i="0" dirty="0">
+              <a:effectLst/>
+              <a:latin typeface="Söhne"/>
+            </a:endParaRPr>
+          </a:p>
+        </p:txBody>
+      </p:sp>
+      <p:sp>
+        <p:nvSpPr>
+          <p:cNvPr id="6" name="CaixaDeTexto 5">
+            <a:extLst>
+              <a:ext uri="{FF2B5EF4-FFF2-40B4-BE49-F238E27FC236}">
+                <a16:creationId xmlns:a16="http://schemas.microsoft.com/office/drawing/2014/main" id="{CB1EDFA3-A0AA-3539-A6E7-C3BF38E6D408}"/>
+              </a:ext>
+            </a:extLst>
+          </p:cNvPr>
+          <p:cNvSpPr txBox="1"/>
+          <p:nvPr/>
+        </p:nvSpPr>
+        <p:spPr>
+          <a:xfrm>
+            <a:off x="4267199" y="1857828"/>
+            <a:ext cx="7707087" cy="4832092"/>
+          </a:xfrm>
+          <a:prstGeom prst="rect">
+            <a:avLst/>
+          </a:prstGeom>
+          <a:noFill/>
+        </p:spPr>
+        <p:txBody>
+          <a:bodyPr wrap="square" rtlCol="0">
+            <a:spAutoFit/>
+          </a:bodyPr>
+          <a:lstStyle/>
+          <a:p>
+            <a:r>
+              <a:rPr lang="pt-BR" sz="2800" dirty="0"/>
+              <a:t>O que é o </a:t>
+            </a:r>
+            <a:r>
+              <a:rPr lang="pt-BR" sz="2800" dirty="0" err="1"/>
+              <a:t>Jira</a:t>
+            </a:r>
+            <a:r>
+              <a:rPr lang="pt-BR" sz="2800" dirty="0"/>
+              <a:t>?</a:t>
+            </a:r>
+          </a:p>
+          <a:p>
+            <a:pPr marL="457200" indent="-457200">
+              <a:buFont typeface="Arial" panose="020B0604020202020204" pitchFamily="34" charset="0"/>
+              <a:buChar char="•"/>
+            </a:pPr>
+            <a:r>
+              <a:rPr lang="pt-BR" sz="2800" dirty="0"/>
+              <a:t>O </a:t>
+            </a:r>
+            <a:r>
+              <a:rPr lang="pt-BR" sz="2800" dirty="0" err="1"/>
+              <a:t>Jira</a:t>
+            </a:r>
+            <a:r>
+              <a:rPr lang="pt-BR" sz="2800" dirty="0"/>
+              <a:t> é uma plataforma popular de gerenciamento de projetos e acompanhamento de problemas.</a:t>
+            </a:r>
+          </a:p>
+          <a:p>
+            <a:endParaRPr lang="pt-BR" sz="2800" dirty="0"/>
+          </a:p>
+          <a:p>
+            <a:r>
+              <a:rPr lang="pt-BR" sz="2800" dirty="0"/>
+              <a:t>Principais Recursos:</a:t>
+            </a:r>
+          </a:p>
+          <a:p>
+            <a:pPr marL="457200" indent="-457200">
+              <a:buFont typeface="Arial" panose="020B0604020202020204" pitchFamily="34" charset="0"/>
+              <a:buChar char="•"/>
+            </a:pPr>
+            <a:r>
+              <a:rPr lang="pt-BR" sz="2800" dirty="0"/>
+              <a:t>Acompanhamento de tarefas, bugs e melhorias.</a:t>
+            </a:r>
+          </a:p>
+          <a:p>
+            <a:pPr marL="457200" indent="-457200">
+              <a:buFont typeface="Arial" panose="020B0604020202020204" pitchFamily="34" charset="0"/>
+              <a:buChar char="•"/>
+            </a:pPr>
+            <a:r>
+              <a:rPr lang="pt-BR" sz="2800" dirty="0"/>
+              <a:t>Colaboração eficiente.</a:t>
+            </a:r>
+          </a:p>
+          <a:p>
+            <a:pPr marL="457200" indent="-457200">
+              <a:buFont typeface="Arial" panose="020B0604020202020204" pitchFamily="34" charset="0"/>
+              <a:buChar char="•"/>
+            </a:pPr>
+            <a:r>
+              <a:rPr lang="pt-BR" sz="2800" dirty="0"/>
+              <a:t>Integração com ferramentas de desenvolvimento.</a:t>
+            </a:r>
+          </a:p>
+        </p:txBody>
+      </p:sp>
+      <p:pic>
+        <p:nvPicPr>
+          <p:cNvPr id="1026" name="Picture 2" descr="Logotipo completo de Jira Software PNG transparente - StickPNG">
+            <a:extLst>
+              <a:ext uri="{FF2B5EF4-FFF2-40B4-BE49-F238E27FC236}">
+                <a16:creationId xmlns:a16="http://schemas.microsoft.com/office/drawing/2014/main" id="{39AE9481-686C-7CC2-44C5-EB6AD8E38F98}"/>
+              </a:ext>
+            </a:extLst>
+          </p:cNvPr>
+          <p:cNvPicPr>
+            <a:picLocks noChangeAspect="1" noChangeArrowheads="1"/>
+          </p:cNvPicPr>
+          <p:nvPr/>
+        </p:nvPicPr>
+        <p:blipFill>
+          <a:blip r:embed="rId2">
+            <a:extLst>
+              <a:ext uri="{28A0092B-C50C-407E-A947-70E740481C1C}">
+                <a14:useLocalDpi xmlns:a14="http://schemas.microsoft.com/office/drawing/2010/main" val="0"/>
+              </a:ext>
+            </a:extLst>
+          </a:blip>
+          <a:srcRect/>
+          <a:stretch>
+            <a:fillRect/>
+          </a:stretch>
+        </p:blipFill>
+        <p:spPr bwMode="auto">
+          <a:xfrm>
+            <a:off x="895149" y="2351314"/>
+            <a:ext cx="3139770" cy="3139770"/>
+          </a:xfrm>
+          <a:prstGeom prst="rect">
+            <a:avLst/>
+          </a:prstGeom>
+          <a:noFill/>
+          <a:extLst>
+            <a:ext uri="{909E8E84-426E-40DD-AFC4-6F175D3DCCD1}">
+              <a14:hiddenFill xmlns:a14="http://schemas.microsoft.com/office/drawing/2010/main">
+                <a:solidFill>
+                  <a:srgbClr val="FFFFFF"/>
+                </a:solidFill>
+              </a14:hiddenFill>
+            </a:ext>
+          </a:extLst>
+        </p:spPr>
+      </p:pic>
+    </p:spTree>
+    <p:extLst>
+      <p:ext uri="{BB962C8B-B14F-4D97-AF65-F5344CB8AC3E}">
+        <p14:creationId xmlns:p14="http://schemas.microsoft.com/office/powerpoint/2010/main" val="3356647982"/>
+      </p:ext>
+    </p:extLst>
+  </p:cSld>
+  <p:clrMapOvr>
+    <a:masterClrMapping/>
+  </p:clrMapOvr>
+</p:sld>
+</file>
+
+<file path=ppt/slides/slide5.xml><?xml version="1.0" encoding="utf-8"?>
+<p:sld xmlns:a="http://schemas.openxmlformats.org/drawingml/2006/main" xmlns:r="http://schemas.openxmlformats.org/officeDocument/2006/relationships" xmlns:p="http://schemas.openxmlformats.org/presentationml/2006/main">
+  <p:cSld>
+    <p:spTree>
+      <p:nvGrpSpPr>
+        <p:cNvPr id="1" name=""/>
+        <p:cNvGrpSpPr/>
+        <p:nvPr/>
+      </p:nvGrpSpPr>
+      <p:grpSpPr>
+        <a:xfrm>
+          <a:off x="0" y="0"/>
+          <a:ext cx="0" cy="0"/>
+          <a:chOff x="0" y="0"/>
+          <a:chExt cx="0" cy="0"/>
+        </a:xfrm>
+      </p:grpSpPr>
+      <p:sp>
+        <p:nvSpPr>
+          <p:cNvPr id="3" name="CaixaDeTexto 2">
+            <a:extLst>
+              <a:ext uri="{FF2B5EF4-FFF2-40B4-BE49-F238E27FC236}">
+                <a16:creationId xmlns:a16="http://schemas.microsoft.com/office/drawing/2014/main" id="{C1328C8D-C507-1A52-B82C-CD0438DFF5E9}"/>
+              </a:ext>
+            </a:extLst>
+          </p:cNvPr>
+          <p:cNvSpPr txBox="1"/>
+          <p:nvPr/>
+        </p:nvSpPr>
+        <p:spPr>
+          <a:xfrm>
+            <a:off x="-388473" y="-1348627"/>
+            <a:ext cx="5473595" cy="9248686"/>
+          </a:xfrm>
+          <a:prstGeom prst="rect">
+            <a:avLst/>
+          </a:prstGeom>
+          <a:noFill/>
+        </p:spPr>
+        <p:txBody>
+          <a:bodyPr wrap="square" rtlCol="0">
+            <a:spAutoFit/>
+          </a:bodyPr>
+          <a:lstStyle/>
+          <a:p>
+            <a:r>
+              <a:rPr lang="pt-BR" sz="59500" dirty="0">
+                <a:solidFill>
+                  <a:srgbClr val="D18BD1">
+                    <a:alpha val="30000"/>
+                  </a:srgbClr>
+                </a:solidFill>
+                <a:latin typeface="Algerian" panose="04020705040A02060702" pitchFamily="82" charset="0"/>
+              </a:rPr>
+              <a:t>F</a:t>
+            </a:r>
+          </a:p>
+        </p:txBody>
+      </p:sp>
+      <p:sp>
+        <p:nvSpPr>
+          <p:cNvPr id="2" name="Retângulo: Cantos Arredondados 1">
+            <a:extLst>
+              <a:ext uri="{FF2B5EF4-FFF2-40B4-BE49-F238E27FC236}">
+                <a16:creationId xmlns:a16="http://schemas.microsoft.com/office/drawing/2014/main" id="{E8D2D15F-FF3B-6647-918D-EC21CAB929AD}"/>
+              </a:ext>
+            </a:extLst>
+          </p:cNvPr>
+          <p:cNvSpPr/>
+          <p:nvPr/>
+        </p:nvSpPr>
+        <p:spPr>
+          <a:xfrm>
+            <a:off x="941034" y="630315"/>
+            <a:ext cx="4625266" cy="852256"/>
+          </a:xfrm>
+          <a:prstGeom prst="roundRect">
+            <a:avLst/>
+          </a:prstGeom>
+          <a:solidFill>
+            <a:schemeClr val="accent2"/>
+          </a:solidFill>
+          <a:ln>
+            <a:noFill/>
+          </a:ln>
+        </p:spPr>
+        <p:style>
+          <a:lnRef idx="2">
+            <a:schemeClr val="accent1">
+              <a:shade val="15000"/>
+            </a:schemeClr>
+          </a:lnRef>
+          <a:fillRef idx="1">
+            <a:schemeClr val="accent1"/>
+          </a:fillRef>
+          <a:effectRef idx="0">
+            <a:schemeClr val="accent1"/>
+          </a:effectRef>
+          <a:fontRef idx="minor">
+            <a:schemeClr val="lt1"/>
+          </a:fontRef>
+        </p:style>
+        <p:txBody>
+          <a:bodyPr rtlCol="0" anchor="ctr"/>
+          <a:lstStyle/>
+          <a:p>
+            <a:pPr algn="ctr"/>
+            <a:r>
+              <a:rPr lang="pt-BR" sz="2800" b="1" i="0" dirty="0">
+                <a:effectLst/>
+                <a:latin typeface="Söhne"/>
+              </a:rPr>
+              <a:t>Funcionalidades Avançadas do </a:t>
+            </a:r>
+            <a:r>
+              <a:rPr lang="pt-BR" sz="2800" b="1" i="0" dirty="0" err="1">
+                <a:effectLst/>
+                <a:latin typeface="Söhne"/>
+              </a:rPr>
+              <a:t>Jira</a:t>
+            </a:r>
+            <a:endParaRPr lang="pt-BR" sz="2800" b="1" i="0" dirty="0">
+              <a:effectLst/>
+              <a:latin typeface="Söhne"/>
+            </a:endParaRPr>
+          </a:p>
+        </p:txBody>
+      </p:sp>
+      <p:sp>
+        <p:nvSpPr>
+          <p:cNvPr id="6" name="CaixaDeTexto 5">
+            <a:extLst>
+              <a:ext uri="{FF2B5EF4-FFF2-40B4-BE49-F238E27FC236}">
+                <a16:creationId xmlns:a16="http://schemas.microsoft.com/office/drawing/2014/main" id="{CB1EDFA3-A0AA-3539-A6E7-C3BF38E6D408}"/>
+              </a:ext>
+            </a:extLst>
+          </p:cNvPr>
+          <p:cNvSpPr txBox="1"/>
+          <p:nvPr/>
+        </p:nvSpPr>
+        <p:spPr>
+          <a:xfrm>
+            <a:off x="941034" y="1857828"/>
+            <a:ext cx="7707087" cy="3785652"/>
+          </a:xfrm>
+          <a:prstGeom prst="rect">
+            <a:avLst/>
+          </a:prstGeom>
+          <a:noFill/>
+        </p:spPr>
+        <p:txBody>
+          <a:bodyPr wrap="square" rtlCol="0">
+            <a:spAutoFit/>
+          </a:bodyPr>
+          <a:lstStyle/>
+          <a:p>
+            <a:r>
+              <a:rPr lang="pt-BR" sz="2400" dirty="0"/>
+              <a:t>Customização:</a:t>
+            </a:r>
+          </a:p>
+          <a:p>
+            <a:pPr marL="342900" indent="-342900">
+              <a:buFont typeface="Arial" panose="020B0604020202020204" pitchFamily="34" charset="0"/>
+              <a:buChar char="•"/>
+            </a:pPr>
+            <a:r>
+              <a:rPr lang="pt-BR" sz="2400" dirty="0"/>
+              <a:t>Campos personalizáveis para atender às necessidades específicas do projeto.</a:t>
+            </a:r>
+          </a:p>
+          <a:p>
+            <a:endParaRPr lang="pt-BR" sz="2400" dirty="0"/>
+          </a:p>
+          <a:p>
+            <a:r>
+              <a:rPr lang="pt-BR" sz="2400" dirty="0"/>
+              <a:t>Relatórios Poderosos:</a:t>
+            </a:r>
+          </a:p>
+          <a:p>
+            <a:pPr marL="342900" indent="-342900">
+              <a:buFont typeface="Arial" panose="020B0604020202020204" pitchFamily="34" charset="0"/>
+              <a:buChar char="•"/>
+            </a:pPr>
+            <a:r>
+              <a:rPr lang="pt-BR" sz="2400" dirty="0"/>
+              <a:t>Geração de relatórios para análise de desempenho.</a:t>
+            </a:r>
+          </a:p>
+          <a:p>
+            <a:pPr marL="342900" indent="-342900">
+              <a:buFont typeface="Arial" panose="020B0604020202020204" pitchFamily="34" charset="0"/>
+              <a:buChar char="•"/>
+            </a:pPr>
+            <a:endParaRPr lang="pt-BR" sz="2400" dirty="0"/>
+          </a:p>
+          <a:p>
+            <a:r>
+              <a:rPr lang="pt-BR" sz="2400" dirty="0"/>
+              <a:t>Integração com Ferramentas Externas:</a:t>
+            </a:r>
+          </a:p>
+          <a:p>
+            <a:pPr marL="342900" indent="-342900">
+              <a:buFont typeface="Arial" panose="020B0604020202020204" pitchFamily="34" charset="0"/>
+              <a:buChar char="•"/>
+            </a:pPr>
+            <a:r>
+              <a:rPr lang="pt-BR" sz="2400" dirty="0"/>
+              <a:t>Conectividade com repositórios de código, CI/CD e outras ferramentas.</a:t>
+            </a:r>
+          </a:p>
+        </p:txBody>
+      </p:sp>
+      <p:pic>
+        <p:nvPicPr>
+          <p:cNvPr id="1026" name="Picture 2" descr="Logotipo completo de Jira Software PNG transparente - StickPNG">
+            <a:extLst>
+              <a:ext uri="{FF2B5EF4-FFF2-40B4-BE49-F238E27FC236}">
+                <a16:creationId xmlns:a16="http://schemas.microsoft.com/office/drawing/2014/main" id="{39AE9481-686C-7CC2-44C5-EB6AD8E38F98}"/>
+              </a:ext>
+            </a:extLst>
+          </p:cNvPr>
+          <p:cNvPicPr>
+            <a:picLocks noChangeAspect="1" noChangeArrowheads="1"/>
+          </p:cNvPicPr>
+          <p:nvPr/>
+        </p:nvPicPr>
+        <p:blipFill>
+          <a:blip r:embed="rId2">
+            <a:extLst>
+              <a:ext uri="{BEBA8EAE-BF5A-486C-A8C5-ECC9F3942E4B}">
+                <a14:imgProps xmlns:a14="http://schemas.microsoft.com/office/drawing/2010/main">
+                  <a14:imgLayer r:embed="rId3">
+                    <a14:imgEffect>
+                      <a14:backgroundRemoval t="9916" b="91561" l="9916" r="89873">
+                        <a14:foregroundMark x1="15190" y1="68776" x2="17300" y2="88608"/>
+                        <a14:foregroundMark x1="17300" y1="88608" x2="63924" y2="91561"/>
+                        <a14:foregroundMark x1="63924" y1="91561" x2="81013" y2="89241"/>
+                        <a14:foregroundMark x1="81013" y1="89241" x2="67932" y2="73840"/>
+                        <a14:foregroundMark x1="67932" y1="73840" x2="14768" y2="68354"/>
+                        <a14:foregroundMark x1="31224" y1="81435" x2="30591" y2="82700"/>
+                        <a14:foregroundMark x1="35021" y1="77637" x2="47046" y2="80591"/>
+                        <a14:foregroundMark x1="52532" y1="80591" x2="71097" y2="81857"/>
+                        <a14:foregroundMark x1="71097" y1="81857" x2="68987" y2="79958"/>
+                        <a14:foregroundMark x1="74051" y1="79958" x2="80591" y2="83333"/>
+                        <a14:foregroundMark x1="81857" y1="77848" x2="79958" y2="77637"/>
+                        <a14:foregroundMark x1="79114" y1="76160" x2="83966" y2="82068"/>
+                        <a14:foregroundMark x1="19831" y1="77848" x2="28481" y2="82700"/>
+                        <a14:foregroundMark x1="19620" y1="84177" x2="80802" y2="81013"/>
+                        <a14:foregroundMark x1="80802" y1="81013" x2="70253" y2="77848"/>
+                        <a14:foregroundMark x1="50422" y1="78903" x2="34599" y2="79747"/>
+                        <a14:foregroundMark x1="34599" y1="79747" x2="67511" y2="82489"/>
+                        <a14:foregroundMark x1="67511" y1="82489" x2="78903" y2="81435"/>
+                      </a14:backgroundRemoval>
+                    </a14:imgEffect>
+                  </a14:imgLayer>
+                </a14:imgProps>
+              </a:ext>
+              <a:ext uri="{28A0092B-C50C-407E-A947-70E740481C1C}">
+                <a14:useLocalDpi xmlns:a14="http://schemas.microsoft.com/office/drawing/2010/main" val="0"/>
+              </a:ext>
+            </a:extLst>
+          </a:blip>
+          <a:srcRect/>
+          <a:stretch>
+            <a:fillRect/>
+          </a:stretch>
+        </p:blipFill>
+        <p:spPr bwMode="auto">
+          <a:xfrm>
+            <a:off x="8648121" y="2351314"/>
+            <a:ext cx="3139770" cy="3139770"/>
+          </a:xfrm>
+          <a:prstGeom prst="rect">
+            <a:avLst/>
+          </a:prstGeom>
+          <a:noFill/>
+          <a:extLst>
+            <a:ext uri="{909E8E84-426E-40DD-AFC4-6F175D3DCCD1}">
+              <a14:hiddenFill xmlns:a14="http://schemas.microsoft.com/office/drawing/2010/main">
+                <a:solidFill>
+                  <a:srgbClr val="FFFFFF"/>
+                </a:solidFill>
+              </a14:hiddenFill>
+            </a:ext>
+          </a:extLst>
+        </p:spPr>
+      </p:pic>
+    </p:spTree>
+    <p:extLst>
+      <p:ext uri="{BB962C8B-B14F-4D97-AF65-F5344CB8AC3E}">
+        <p14:creationId xmlns:p14="http://schemas.microsoft.com/office/powerpoint/2010/main" val="3929302904"/>
+      </p:ext>
+    </p:extLst>
+  </p:cSld>
+  <p:clrMapOvr>
+    <a:masterClrMapping/>
+  </p:clrMapOvr>
+</p:sld>
+</file>
+
+<file path=ppt/slides/slide6.xml><?xml version="1.0" encoding="utf-8"?>
+<p:sld xmlns:a="http://schemas.openxmlformats.org/drawingml/2006/main" xmlns:r="http://schemas.openxmlformats.org/officeDocument/2006/relationships" xmlns:p="http://schemas.openxmlformats.org/presentationml/2006/main">
+  <p:cSld>
+    <p:spTree>
+      <p:nvGrpSpPr>
+        <p:cNvPr id="1" name=""/>
+        <p:cNvGrpSpPr/>
+        <p:nvPr/>
+      </p:nvGrpSpPr>
+      <p:grpSpPr>
+        <a:xfrm>
+          <a:off x="0" y="0"/>
+          <a:ext cx="0" cy="0"/>
+          <a:chOff x="0" y="0"/>
+          <a:chExt cx="0" cy="0"/>
+        </a:xfrm>
+      </p:grpSpPr>
+      <p:sp>
+        <p:nvSpPr>
+          <p:cNvPr id="3" name="CaixaDeTexto 2">
+            <a:extLst>
+              <a:ext uri="{FF2B5EF4-FFF2-40B4-BE49-F238E27FC236}">
+                <a16:creationId xmlns:a16="http://schemas.microsoft.com/office/drawing/2014/main" id="{C1328C8D-C507-1A52-B82C-CD0438DFF5E9}"/>
+              </a:ext>
+            </a:extLst>
+          </p:cNvPr>
+          <p:cNvSpPr txBox="1"/>
+          <p:nvPr/>
+        </p:nvSpPr>
+        <p:spPr>
+          <a:xfrm>
+            <a:off x="7711929" y="-1348627"/>
+            <a:ext cx="5473595" cy="9248686"/>
+          </a:xfrm>
+          <a:prstGeom prst="rect">
+            <a:avLst/>
+          </a:prstGeom>
+          <a:noFill/>
+        </p:spPr>
+        <p:txBody>
+          <a:bodyPr wrap="square" rtlCol="0">
+            <a:spAutoFit/>
+          </a:bodyPr>
+          <a:lstStyle/>
+          <a:p>
+            <a:r>
+              <a:rPr lang="pt-BR" sz="59500" dirty="0">
+                <a:solidFill>
+                  <a:srgbClr val="978BD1">
+                    <a:alpha val="40000"/>
+                  </a:srgbClr>
+                </a:solidFill>
+                <a:latin typeface="Algerian" panose="04020705040A02060702" pitchFamily="82" charset="0"/>
+              </a:rPr>
+              <a:t>G</a:t>
+            </a:r>
+          </a:p>
+        </p:txBody>
+      </p:sp>
+      <p:sp>
+        <p:nvSpPr>
+          <p:cNvPr id="2" name="Retângulo: Cantos Arredondados 1">
+            <a:extLst>
+              <a:ext uri="{FF2B5EF4-FFF2-40B4-BE49-F238E27FC236}">
+                <a16:creationId xmlns:a16="http://schemas.microsoft.com/office/drawing/2014/main" id="{E8D2D15F-FF3B-6647-918D-EC21CAB929AD}"/>
+              </a:ext>
+            </a:extLst>
+          </p:cNvPr>
+          <p:cNvSpPr/>
+          <p:nvPr/>
+        </p:nvSpPr>
+        <p:spPr>
+          <a:xfrm>
+            <a:off x="941034" y="630315"/>
+            <a:ext cx="4625266" cy="852256"/>
+          </a:xfrm>
+          <a:prstGeom prst="roundRect">
+            <a:avLst/>
+          </a:prstGeom>
+          <a:solidFill>
+            <a:schemeClr val="accent3"/>
+          </a:solidFill>
+          <a:ln>
+            <a:noFill/>
+          </a:ln>
+        </p:spPr>
+        <p:style>
+          <a:lnRef idx="2">
+            <a:schemeClr val="accent1">
+              <a:shade val="15000"/>
+            </a:schemeClr>
+          </a:lnRef>
+          <a:fillRef idx="1">
+            <a:schemeClr val="accent1"/>
+          </a:fillRef>
+          <a:effectRef idx="0">
+            <a:schemeClr val="accent1"/>
+          </a:effectRef>
+          <a:fontRef idx="minor">
+            <a:schemeClr val="lt1"/>
+          </a:fontRef>
+        </p:style>
+        <p:txBody>
+          <a:bodyPr rtlCol="0" anchor="ctr"/>
+          <a:lstStyle/>
+          <a:p>
+            <a:pPr algn="ctr"/>
+            <a:r>
+              <a:rPr lang="pt-BR" sz="2800" b="1" i="0" dirty="0">
+                <a:effectLst/>
+                <a:latin typeface="Söhne"/>
+              </a:rPr>
+              <a:t>Funcionalidades Avançadas do </a:t>
+            </a:r>
+            <a:r>
+              <a:rPr lang="pt-BR" sz="2800" b="1" i="0" dirty="0" err="1">
+                <a:effectLst/>
+                <a:latin typeface="Söhne"/>
+              </a:rPr>
+              <a:t>Jira</a:t>
+            </a:r>
+            <a:endParaRPr lang="pt-BR" sz="2800" b="1" i="0" dirty="0">
+              <a:effectLst/>
+              <a:latin typeface="Söhne"/>
+            </a:endParaRPr>
+          </a:p>
+        </p:txBody>
+      </p:sp>
+      <p:sp>
+        <p:nvSpPr>
+          <p:cNvPr id="6" name="CaixaDeTexto 5">
+            <a:extLst>
+              <a:ext uri="{FF2B5EF4-FFF2-40B4-BE49-F238E27FC236}">
+                <a16:creationId xmlns:a16="http://schemas.microsoft.com/office/drawing/2014/main" id="{CB1EDFA3-A0AA-3539-A6E7-C3BF38E6D408}"/>
+              </a:ext>
+            </a:extLst>
+          </p:cNvPr>
+          <p:cNvSpPr txBox="1"/>
+          <p:nvPr/>
+        </p:nvSpPr>
+        <p:spPr>
+          <a:xfrm>
+            <a:off x="4773044" y="1857827"/>
+            <a:ext cx="7707087" cy="3970318"/>
+          </a:xfrm>
+          <a:prstGeom prst="rect">
+            <a:avLst/>
+          </a:prstGeom>
+          <a:noFill/>
+        </p:spPr>
+        <p:txBody>
+          <a:bodyPr wrap="square" rtlCol="0">
+            <a:spAutoFit/>
+          </a:bodyPr>
+          <a:lstStyle/>
+          <a:p>
+            <a:r>
+              <a:rPr lang="pt-BR" sz="2800" dirty="0"/>
+              <a:t>O que é uma </a:t>
+            </a:r>
+            <a:r>
+              <a:rPr lang="pt-BR" sz="2800" dirty="0" err="1"/>
+              <a:t>Timeline</a:t>
+            </a:r>
+            <a:r>
+              <a:rPr lang="pt-BR" sz="2800" dirty="0"/>
+              <a:t> (</a:t>
+            </a:r>
+            <a:r>
+              <a:rPr lang="pt-BR" sz="2800" dirty="0" err="1"/>
+              <a:t>Gantt</a:t>
+            </a:r>
+            <a:r>
+              <a:rPr lang="pt-BR" sz="2800" dirty="0"/>
+              <a:t>)?</a:t>
+            </a:r>
+          </a:p>
+          <a:p>
+            <a:pPr marL="342900" indent="-342900">
+              <a:buFont typeface="Arial" panose="020B0604020202020204" pitchFamily="34" charset="0"/>
+              <a:buChar char="•"/>
+            </a:pPr>
+            <a:r>
+              <a:rPr lang="pt-BR" sz="2800" dirty="0"/>
+              <a:t>Uma representação visual do cronograma do projeto ao longo do tempo.</a:t>
+            </a:r>
+          </a:p>
+          <a:p>
+            <a:endParaRPr lang="pt-BR" sz="2800" dirty="0"/>
+          </a:p>
+          <a:p>
+            <a:r>
+              <a:rPr lang="pt-BR" sz="2800" dirty="0"/>
+              <a:t>Benefícios no </a:t>
+            </a:r>
+            <a:r>
+              <a:rPr lang="pt-BR" sz="2800" dirty="0" err="1"/>
+              <a:t>Jira</a:t>
+            </a:r>
+            <a:r>
+              <a:rPr lang="pt-BR" sz="2800" dirty="0"/>
+              <a:t>:</a:t>
+            </a:r>
+          </a:p>
+          <a:p>
+            <a:pPr marL="342900" indent="-342900">
+              <a:buFont typeface="Arial" panose="020B0604020202020204" pitchFamily="34" charset="0"/>
+              <a:buChar char="•"/>
+            </a:pPr>
+            <a:r>
+              <a:rPr lang="pt-BR" sz="2800" dirty="0"/>
+              <a:t>Acompanhamento claro de marcos e prazos.</a:t>
+            </a:r>
+          </a:p>
+          <a:p>
+            <a:pPr marL="342900" indent="-342900">
+              <a:buFont typeface="Arial" panose="020B0604020202020204" pitchFamily="34" charset="0"/>
+              <a:buChar char="•"/>
+            </a:pPr>
+            <a:r>
+              <a:rPr lang="pt-BR" sz="2800" dirty="0"/>
+              <a:t>Identificação rápida de sobreposições e conflitos.</a:t>
+            </a:r>
+          </a:p>
+        </p:txBody>
+      </p:sp>
+      <p:pic>
+        <p:nvPicPr>
+          <p:cNvPr id="4" name="Picture 2" descr="Timeline, chart, business, window, gantt icon - Download on Iconfinder">
+            <a:extLst>
+              <a:ext uri="{FF2B5EF4-FFF2-40B4-BE49-F238E27FC236}">
+                <a16:creationId xmlns:a16="http://schemas.microsoft.com/office/drawing/2014/main" id="{8BC69B18-728C-A306-EFF8-3B8579B3D9AC}"/>
+              </a:ext>
+            </a:extLst>
+          </p:cNvPr>
+          <p:cNvPicPr>
+            <a:picLocks noChangeAspect="1" noChangeArrowheads="1"/>
+          </p:cNvPicPr>
+          <p:nvPr/>
+        </p:nvPicPr>
+        <p:blipFill>
+          <a:blip r:embed="rId2">
+            <a:extLst>
+              <a:ext uri="{28A0092B-C50C-407E-A947-70E740481C1C}">
+                <a14:useLocalDpi xmlns:a14="http://schemas.microsoft.com/office/drawing/2010/main" val="0"/>
+              </a:ext>
+            </a:extLst>
+          </a:blip>
+          <a:srcRect/>
+          <a:stretch>
+            <a:fillRect/>
+          </a:stretch>
+        </p:blipFill>
+        <p:spPr bwMode="auto">
+          <a:xfrm>
+            <a:off x="1128762" y="2605013"/>
+            <a:ext cx="2291281" cy="2291281"/>
+          </a:xfrm>
+          <a:prstGeom prst="rect">
+            <a:avLst/>
+          </a:prstGeom>
+          <a:noFill/>
+          <a:extLst>
+            <a:ext uri="{909E8E84-426E-40DD-AFC4-6F175D3DCCD1}">
+              <a14:hiddenFill xmlns:a14="http://schemas.microsoft.com/office/drawing/2010/main">
+                <a:solidFill>
+                  <a:srgbClr val="FFFFFF"/>
+                </a:solidFill>
+              </a14:hiddenFill>
+            </a:ext>
+          </a:extLst>
+        </p:spPr>
+      </p:pic>
+    </p:spTree>
+    <p:extLst>
+      <p:ext uri="{BB962C8B-B14F-4D97-AF65-F5344CB8AC3E}">
+        <p14:creationId xmlns:p14="http://schemas.microsoft.com/office/powerpoint/2010/main" val="3183252946"/>
+      </p:ext>
+    </p:extLst>
+  </p:cSld>
+  <p:clrMapOvr>
+    <a:masterClrMapping/>
+  </p:clrMapOvr>
+</p:sld>
+</file>
+
+<file path=ppt/slides/slide7.xml><?xml version="1.0" encoding="utf-8"?>
+<p:sld xmlns:a="http://schemas.openxmlformats.org/drawingml/2006/main" xmlns:r="http://schemas.openxmlformats.org/officeDocument/2006/relationships" xmlns:p="http://schemas.openxmlformats.org/presentationml/2006/main">
+  <p:cSld>
+    <p:spTree>
+      <p:nvGrpSpPr>
+        <p:cNvPr id="1" name=""/>
+        <p:cNvGrpSpPr/>
+        <p:nvPr/>
+      </p:nvGrpSpPr>
+      <p:grpSpPr>
+        <a:xfrm>
+          <a:off x="0" y="0"/>
+          <a:ext cx="0" cy="0"/>
+          <a:chOff x="0" y="0"/>
+          <a:chExt cx="0" cy="0"/>
+        </a:xfrm>
+      </p:grpSpPr>
+      <p:sp>
+        <p:nvSpPr>
+          <p:cNvPr id="3" name="CaixaDeTexto 2">
+            <a:extLst>
+              <a:ext uri="{FF2B5EF4-FFF2-40B4-BE49-F238E27FC236}">
+                <a16:creationId xmlns:a16="http://schemas.microsoft.com/office/drawing/2014/main" id="{C1328C8D-C507-1A52-B82C-CD0438DFF5E9}"/>
+              </a:ext>
+            </a:extLst>
+          </p:cNvPr>
+          <p:cNvSpPr txBox="1"/>
+          <p:nvPr/>
+        </p:nvSpPr>
+        <p:spPr>
+          <a:xfrm>
+            <a:off x="-441063" y="-1348627"/>
+            <a:ext cx="5473595" cy="9248686"/>
+          </a:xfrm>
+          <a:prstGeom prst="rect">
+            <a:avLst/>
+          </a:prstGeom>
+          <a:noFill/>
+        </p:spPr>
+        <p:txBody>
+          <a:bodyPr wrap="square" rtlCol="0">
+            <a:spAutoFit/>
+          </a:bodyPr>
+          <a:lstStyle/>
+          <a:p>
+            <a:r>
+              <a:rPr lang="pt-BR" sz="59500" dirty="0">
+                <a:solidFill>
+                  <a:schemeClr val="accent4">
+                    <a:alpha val="40000"/>
+                  </a:schemeClr>
+                </a:solidFill>
+                <a:latin typeface="Algerian" panose="04020705040A02060702" pitchFamily="82" charset="0"/>
+              </a:rPr>
+              <a:t>B</a:t>
+            </a:r>
+          </a:p>
+        </p:txBody>
+      </p:sp>
+      <p:sp>
+        <p:nvSpPr>
+          <p:cNvPr id="2" name="Retângulo: Cantos Arredondados 1">
+            <a:extLst>
+              <a:ext uri="{FF2B5EF4-FFF2-40B4-BE49-F238E27FC236}">
+                <a16:creationId xmlns:a16="http://schemas.microsoft.com/office/drawing/2014/main" id="{E8D2D15F-FF3B-6647-918D-EC21CAB929AD}"/>
+              </a:ext>
+            </a:extLst>
+          </p:cNvPr>
+          <p:cNvSpPr/>
+          <p:nvPr/>
+        </p:nvSpPr>
+        <p:spPr>
+          <a:xfrm>
+            <a:off x="941034" y="630315"/>
+            <a:ext cx="4625266" cy="852256"/>
+          </a:xfrm>
+          <a:prstGeom prst="roundRect">
+            <a:avLst/>
+          </a:prstGeom>
+          <a:solidFill>
+            <a:schemeClr val="accent4"/>
+          </a:solidFill>
+          <a:ln>
+            <a:noFill/>
+          </a:ln>
+        </p:spPr>
+        <p:style>
+          <a:lnRef idx="2">
+            <a:schemeClr val="accent1">
+              <a:shade val="15000"/>
+            </a:schemeClr>
+          </a:lnRef>
+          <a:fillRef idx="1">
+            <a:schemeClr val="accent1"/>
+          </a:fillRef>
+          <a:effectRef idx="0">
+            <a:schemeClr val="accent1"/>
+          </a:effectRef>
+          <a:fontRef idx="minor">
+            <a:schemeClr val="lt1"/>
+          </a:fontRef>
+        </p:style>
+        <p:txBody>
+          <a:bodyPr rtlCol="0" anchor="ctr"/>
+          <a:lstStyle/>
+          <a:p>
+            <a:pPr algn="ctr"/>
+            <a:r>
+              <a:rPr lang="pt-BR" sz="3600" b="1" i="0" dirty="0">
+                <a:effectLst/>
+                <a:latin typeface="Söhne"/>
+              </a:rPr>
+              <a:t>Backlog no </a:t>
+            </a:r>
+            <a:r>
+              <a:rPr lang="pt-BR" sz="3600" b="1" i="0" dirty="0" err="1">
+                <a:effectLst/>
+                <a:latin typeface="Söhne"/>
+              </a:rPr>
+              <a:t>Jira</a:t>
+            </a:r>
+            <a:endParaRPr lang="pt-BR" sz="3600" b="1" i="0" dirty="0">
+              <a:effectLst/>
+              <a:latin typeface="Söhne"/>
+            </a:endParaRPr>
+          </a:p>
+        </p:txBody>
+      </p:sp>
+      <p:sp>
+        <p:nvSpPr>
+          <p:cNvPr id="6" name="CaixaDeTexto 5">
+            <a:extLst>
+              <a:ext uri="{FF2B5EF4-FFF2-40B4-BE49-F238E27FC236}">
+                <a16:creationId xmlns:a16="http://schemas.microsoft.com/office/drawing/2014/main" id="{CB1EDFA3-A0AA-3539-A6E7-C3BF38E6D408}"/>
+              </a:ext>
+            </a:extLst>
+          </p:cNvPr>
+          <p:cNvSpPr txBox="1"/>
+          <p:nvPr/>
+        </p:nvSpPr>
+        <p:spPr>
+          <a:xfrm>
+            <a:off x="692309" y="1857827"/>
+            <a:ext cx="7707087" cy="3539430"/>
+          </a:xfrm>
+          <a:prstGeom prst="rect">
+            <a:avLst/>
+          </a:prstGeom>
+          <a:noFill/>
+        </p:spPr>
+        <p:txBody>
+          <a:bodyPr wrap="square" rtlCol="0">
+            <a:spAutoFit/>
+          </a:bodyPr>
+          <a:lstStyle/>
+          <a:p>
+            <a:r>
+              <a:rPr lang="pt-BR" sz="2800" dirty="0"/>
+              <a:t>O que é um Backlog?</a:t>
+            </a:r>
+          </a:p>
+          <a:p>
+            <a:pPr marL="457200" indent="-457200">
+              <a:buFont typeface="Arial" panose="020B0604020202020204" pitchFamily="34" charset="0"/>
+              <a:buChar char="•"/>
+            </a:pPr>
+            <a:r>
+              <a:rPr lang="pt-BR" sz="2800" dirty="0"/>
+              <a:t>Uma lista priorizada de tarefas a serem realizadas.</a:t>
+            </a:r>
+          </a:p>
+          <a:p>
+            <a:pPr marL="457200" indent="-457200">
+              <a:buFont typeface="Arial" panose="020B0604020202020204" pitchFamily="34" charset="0"/>
+              <a:buChar char="•"/>
+            </a:pPr>
+            <a:endParaRPr lang="pt-BR" sz="2800" dirty="0"/>
+          </a:p>
+          <a:p>
+            <a:r>
+              <a:rPr lang="pt-BR" sz="2800" dirty="0"/>
+              <a:t>Como o </a:t>
+            </a:r>
+            <a:r>
+              <a:rPr lang="pt-BR" sz="2800" dirty="0" err="1"/>
+              <a:t>Jira</a:t>
+            </a:r>
+            <a:r>
+              <a:rPr lang="pt-BR" sz="2800" dirty="0"/>
+              <a:t> Gerencia Backlogs:</a:t>
+            </a:r>
+          </a:p>
+          <a:p>
+            <a:pPr marL="457200" indent="-457200">
+              <a:buFont typeface="Arial" panose="020B0604020202020204" pitchFamily="34" charset="0"/>
+              <a:buChar char="•"/>
+            </a:pPr>
+            <a:r>
+              <a:rPr lang="pt-BR" sz="2800" dirty="0"/>
+              <a:t>Backlogs dinâmicos e ajustáveis.</a:t>
+            </a:r>
+          </a:p>
+          <a:p>
+            <a:pPr marL="457200" indent="-457200">
+              <a:buFont typeface="Arial" panose="020B0604020202020204" pitchFamily="34" charset="0"/>
+              <a:buChar char="•"/>
+            </a:pPr>
+            <a:r>
+              <a:rPr lang="pt-BR" sz="2800" dirty="0"/>
+              <a:t>Classificação por prioridade e complexidade.</a:t>
+            </a:r>
+          </a:p>
+        </p:txBody>
+      </p:sp>
+      <p:pic>
+        <p:nvPicPr>
+          <p:cNvPr id="2050" name="Picture 2" descr="Backlog, project, process, database, workflow icon - Download on Iconfinder">
+            <a:extLst>
+              <a:ext uri="{FF2B5EF4-FFF2-40B4-BE49-F238E27FC236}">
+                <a16:creationId xmlns:a16="http://schemas.microsoft.com/office/drawing/2014/main" id="{0983EFA7-4E81-EE79-56F5-B3D00CDA9990}"/>
+              </a:ext>
+            </a:extLst>
+          </p:cNvPr>
+          <p:cNvPicPr>
+            <a:picLocks noChangeAspect="1" noChangeArrowheads="1"/>
+          </p:cNvPicPr>
+          <p:nvPr/>
+        </p:nvPicPr>
+        <p:blipFill>
+          <a:blip r:embed="rId2">
+            <a:extLst>
+              <a:ext uri="{28A0092B-C50C-407E-A947-70E740481C1C}">
+                <a14:useLocalDpi xmlns:a14="http://schemas.microsoft.com/office/drawing/2010/main" val="0"/>
+              </a:ext>
+            </a:extLst>
+          </a:blip>
+          <a:srcRect/>
+          <a:stretch>
+            <a:fillRect/>
+          </a:stretch>
+        </p:blipFill>
+        <p:spPr bwMode="auto">
+          <a:xfrm>
+            <a:off x="7590103" y="2073664"/>
+            <a:ext cx="3539430" cy="3539430"/>
+          </a:xfrm>
+          <a:prstGeom prst="rect">
+            <a:avLst/>
+          </a:prstGeom>
+          <a:noFill/>
+          <a:extLst>
+            <a:ext uri="{909E8E84-426E-40DD-AFC4-6F175D3DCCD1}">
+              <a14:hiddenFill xmlns:a14="http://schemas.microsoft.com/office/drawing/2010/main">
+                <a:solidFill>
+                  <a:srgbClr val="FFFFFF"/>
+                </a:solidFill>
+              </a14:hiddenFill>
+            </a:ext>
+          </a:extLst>
+        </p:spPr>
+      </p:pic>
+    </p:spTree>
+    <p:extLst>
+      <p:ext uri="{BB962C8B-B14F-4D97-AF65-F5344CB8AC3E}">
+        <p14:creationId xmlns:p14="http://schemas.microsoft.com/office/powerpoint/2010/main" val="327670633"/>
+      </p:ext>
+    </p:extLst>
+  </p:cSld>
+  <p:clrMapOvr>
+    <a:masterClrMapping/>
+  </p:clrMapOvr>
+</p:sld>
+</file>
+
+<file path=ppt/slides/slide8.xml><?xml version="1.0" encoding="utf-8"?>
+<p:sld xmlns:a="http://schemas.openxmlformats.org/drawingml/2006/main" xmlns:r="http://schemas.openxmlformats.org/officeDocument/2006/relationships" xmlns:p="http://schemas.openxmlformats.org/presentationml/2006/main">
+  <p:cSld>
+    <p:spTree>
+      <p:nvGrpSpPr>
+        <p:cNvPr id="1" name=""/>
+        <p:cNvGrpSpPr/>
+        <p:nvPr/>
+      </p:nvGrpSpPr>
+      <p:grpSpPr>
+        <a:xfrm>
+          <a:off x="0" y="0"/>
+          <a:ext cx="0" cy="0"/>
+          <a:chOff x="0" y="0"/>
+          <a:chExt cx="0" cy="0"/>
+        </a:xfrm>
+      </p:grpSpPr>
+      <p:sp>
+        <p:nvSpPr>
+          <p:cNvPr id="3" name="CaixaDeTexto 2">
+            <a:extLst>
+              <a:ext uri="{FF2B5EF4-FFF2-40B4-BE49-F238E27FC236}">
+                <a16:creationId xmlns:a16="http://schemas.microsoft.com/office/drawing/2014/main" id="{C1328C8D-C507-1A52-B82C-CD0438DFF5E9}"/>
+              </a:ext>
+            </a:extLst>
+          </p:cNvPr>
+          <p:cNvSpPr txBox="1"/>
+          <p:nvPr/>
+        </p:nvSpPr>
+        <p:spPr>
+          <a:xfrm>
+            <a:off x="7410905" y="-1195343"/>
+            <a:ext cx="5473595" cy="9248686"/>
+          </a:xfrm>
+          <a:prstGeom prst="rect">
+            <a:avLst/>
+          </a:prstGeom>
+          <a:noFill/>
+        </p:spPr>
+        <p:txBody>
+          <a:bodyPr wrap="square" rtlCol="0">
+            <a:spAutoFit/>
+          </a:bodyPr>
+          <a:lstStyle/>
+          <a:p>
+            <a:r>
+              <a:rPr lang="pt-BR" sz="59500" dirty="0">
+                <a:solidFill>
+                  <a:schemeClr val="accent5">
+                    <a:alpha val="40000"/>
+                  </a:schemeClr>
+                </a:solidFill>
+                <a:latin typeface="Algerian" panose="04020705040A02060702" pitchFamily="82" charset="0"/>
+              </a:rPr>
+              <a:t>S</a:t>
+            </a:r>
+          </a:p>
+        </p:txBody>
+      </p:sp>
+      <p:sp>
+        <p:nvSpPr>
+          <p:cNvPr id="2" name="Retângulo: Cantos Arredondados 1">
+            <a:extLst>
+              <a:ext uri="{FF2B5EF4-FFF2-40B4-BE49-F238E27FC236}">
+                <a16:creationId xmlns:a16="http://schemas.microsoft.com/office/drawing/2014/main" id="{E8D2D15F-FF3B-6647-918D-EC21CAB929AD}"/>
+              </a:ext>
+            </a:extLst>
+          </p:cNvPr>
+          <p:cNvSpPr/>
+          <p:nvPr/>
+        </p:nvSpPr>
+        <p:spPr>
+          <a:xfrm>
+            <a:off x="941034" y="630315"/>
+            <a:ext cx="4625266" cy="852256"/>
+          </a:xfrm>
+          <a:prstGeom prst="roundRect">
+            <a:avLst/>
+          </a:prstGeom>
+          <a:solidFill>
+            <a:schemeClr val="accent5"/>
+          </a:solidFill>
+          <a:ln>
+            <a:noFill/>
+          </a:ln>
+        </p:spPr>
+        <p:style>
+          <a:lnRef idx="2">
+            <a:schemeClr val="accent1">
+              <a:shade val="15000"/>
+            </a:schemeClr>
+          </a:lnRef>
+          <a:fillRef idx="1">
+            <a:schemeClr val="accent1"/>
+          </a:fillRef>
+          <a:effectRef idx="0">
+            <a:schemeClr val="accent1"/>
+          </a:effectRef>
+          <a:fontRef idx="minor">
+            <a:schemeClr val="lt1"/>
+          </a:fontRef>
+        </p:style>
+        <p:txBody>
+          <a:bodyPr rtlCol="0" anchor="ctr"/>
+          <a:lstStyle/>
+          <a:p>
+            <a:pPr algn="ctr"/>
+            <a:r>
+              <a:rPr lang="pt-BR" sz="3600" b="1" i="0" dirty="0">
+                <a:effectLst/>
+                <a:latin typeface="Söhne"/>
+              </a:rPr>
+              <a:t>Sprint no </a:t>
+            </a:r>
+            <a:r>
+              <a:rPr lang="pt-BR" sz="3600" b="1" i="0" dirty="0" err="1">
+                <a:effectLst/>
+                <a:latin typeface="Söhne"/>
+              </a:rPr>
+              <a:t>Jira</a:t>
+            </a:r>
+            <a:endParaRPr lang="pt-BR" sz="3600" b="1" i="0" dirty="0">
+              <a:effectLst/>
+              <a:latin typeface="Söhne"/>
+            </a:endParaRPr>
+          </a:p>
+        </p:txBody>
+      </p:sp>
+      <p:sp>
+        <p:nvSpPr>
+          <p:cNvPr id="6" name="CaixaDeTexto 5">
+            <a:extLst>
+              <a:ext uri="{FF2B5EF4-FFF2-40B4-BE49-F238E27FC236}">
+                <a16:creationId xmlns:a16="http://schemas.microsoft.com/office/drawing/2014/main" id="{CB1EDFA3-A0AA-3539-A6E7-C3BF38E6D408}"/>
+              </a:ext>
+            </a:extLst>
+          </p:cNvPr>
+          <p:cNvSpPr txBox="1"/>
+          <p:nvPr/>
+        </p:nvSpPr>
+        <p:spPr>
+          <a:xfrm>
+            <a:off x="5405459" y="1857827"/>
+            <a:ext cx="7233482" cy="3539430"/>
+          </a:xfrm>
+          <a:prstGeom prst="rect">
+            <a:avLst/>
+          </a:prstGeom>
+          <a:noFill/>
+        </p:spPr>
+        <p:txBody>
+          <a:bodyPr wrap="square" rtlCol="0">
+            <a:spAutoFit/>
+          </a:bodyPr>
+          <a:lstStyle/>
+          <a:p>
+            <a:r>
+              <a:rPr lang="pt-BR" sz="2800" dirty="0"/>
+              <a:t>O que é uma Sprint?</a:t>
+            </a:r>
+          </a:p>
+          <a:p>
+            <a:pPr marL="457200" indent="-457200">
+              <a:buFont typeface="Arial" panose="020B0604020202020204" pitchFamily="34" charset="0"/>
+              <a:buChar char="•"/>
+            </a:pPr>
+            <a:r>
+              <a:rPr lang="pt-BR" sz="2800" dirty="0"/>
+              <a:t>Um intervalo de tempo dedicado ao desenvolvimento de um conjunto específico de funcionalidades.</a:t>
+            </a:r>
+          </a:p>
+          <a:p>
+            <a:r>
+              <a:rPr lang="pt-BR" sz="2800" dirty="0"/>
+              <a:t>No </a:t>
+            </a:r>
+            <a:r>
+              <a:rPr lang="pt-BR" sz="2800" dirty="0" err="1"/>
+              <a:t>Jira</a:t>
+            </a:r>
+            <a:r>
+              <a:rPr lang="pt-BR" sz="2800" dirty="0"/>
+              <a:t>:</a:t>
+            </a:r>
+          </a:p>
+          <a:p>
+            <a:pPr marL="457200" indent="-457200">
+              <a:buFont typeface="Arial" panose="020B0604020202020204" pitchFamily="34" charset="0"/>
+              <a:buChar char="•"/>
+            </a:pPr>
+            <a:r>
+              <a:rPr lang="pt-BR" sz="2800" dirty="0"/>
+              <a:t>Criação fácil de sprints.</a:t>
+            </a:r>
+          </a:p>
+          <a:p>
+            <a:pPr marL="457200" indent="-457200">
+              <a:buFont typeface="Arial" panose="020B0604020202020204" pitchFamily="34" charset="0"/>
+              <a:buChar char="•"/>
+            </a:pPr>
+            <a:r>
+              <a:rPr lang="pt-BR" sz="2800" dirty="0"/>
+              <a:t>Acompanhamento do progresso em tempo real.</a:t>
+            </a:r>
+          </a:p>
+        </p:txBody>
+      </p:sp>
+      <p:pic>
+        <p:nvPicPr>
+          <p:cNvPr id="3078" name="Picture 6" descr="Agile Generic gradient fill icon">
+            <a:extLst>
+              <a:ext uri="{FF2B5EF4-FFF2-40B4-BE49-F238E27FC236}">
+                <a16:creationId xmlns:a16="http://schemas.microsoft.com/office/drawing/2014/main" id="{796BDEA6-7DC1-4FEC-F77F-157098860CD7}"/>
+              </a:ext>
+            </a:extLst>
+          </p:cNvPr>
+          <p:cNvPicPr>
+            <a:picLocks noChangeAspect="1" noChangeArrowheads="1"/>
+          </p:cNvPicPr>
+          <p:nvPr/>
+        </p:nvPicPr>
+        <p:blipFill>
+          <a:blip r:embed="rId2">
+            <a:extLst>
+              <a:ext uri="{28A0092B-C50C-407E-A947-70E740481C1C}">
+                <a14:useLocalDpi xmlns:a14="http://schemas.microsoft.com/office/drawing/2010/main" val="0"/>
+              </a:ext>
+            </a:extLst>
+          </a:blip>
+          <a:srcRect/>
+          <a:stretch>
+            <a:fillRect/>
+          </a:stretch>
+        </p:blipFill>
+        <p:spPr bwMode="auto">
+          <a:xfrm>
+            <a:off x="941034" y="1470293"/>
+            <a:ext cx="3917414" cy="3917414"/>
+          </a:xfrm>
+          <a:prstGeom prst="rect">
+            <a:avLst/>
+          </a:prstGeom>
+          <a:noFill/>
+          <a:extLst>
+            <a:ext uri="{909E8E84-426E-40DD-AFC4-6F175D3DCCD1}">
+              <a14:hiddenFill xmlns:a14="http://schemas.microsoft.com/office/drawing/2010/main">
+                <a:solidFill>
+                  <a:srgbClr val="FFFFFF"/>
+                </a:solidFill>
+              </a14:hiddenFill>
+            </a:ext>
+          </a:extLst>
+        </p:spPr>
+      </p:pic>
+    </p:spTree>
+    <p:extLst>
+      <p:ext uri="{BB962C8B-B14F-4D97-AF65-F5344CB8AC3E}">
+        <p14:creationId xmlns:p14="http://schemas.microsoft.com/office/powerpoint/2010/main" val="22241259"/>
+      </p:ext>
+    </p:extLst>
+  </p:cSld>
+  <p:clrMapOvr>
+    <a:masterClrMapping/>
+  </p:clrMapOvr>
+</p:sld>
+</file>
+
+<file path=ppt/slides/slide9.xml><?xml version="1.0" encoding="utf-8"?>
+<p:sld xmlns:a="http://schemas.openxmlformats.org/drawingml/2006/main" xmlns:r="http://schemas.openxmlformats.org/officeDocument/2006/relationships" xmlns:p="http://schemas.openxmlformats.org/presentationml/2006/main">
+  <p:cSld>
+    <p:spTree>
+      <p:nvGrpSpPr>
+        <p:cNvPr id="1" name=""/>
+        <p:cNvGrpSpPr/>
+        <p:nvPr/>
+      </p:nvGrpSpPr>
+      <p:grpSpPr>
+        <a:xfrm>
+          <a:off x="0" y="0"/>
+          <a:ext cx="0" cy="0"/>
+          <a:chOff x="0" y="0"/>
+          <a:chExt cx="0" cy="0"/>
+        </a:xfrm>
+      </p:grpSpPr>
+      <p:sp>
+        <p:nvSpPr>
+          <p:cNvPr id="2" name="CaixaDeTexto 1">
+            <a:extLst>
+              <a:ext uri="{FF2B5EF4-FFF2-40B4-BE49-F238E27FC236}">
+                <a16:creationId xmlns:a16="http://schemas.microsoft.com/office/drawing/2014/main" id="{B65ABFFC-24B9-34F6-2AE4-26295D76C243}"/>
+              </a:ext>
+            </a:extLst>
+          </p:cNvPr>
+          <p:cNvSpPr txBox="1"/>
+          <p:nvPr/>
+        </p:nvSpPr>
+        <p:spPr>
+          <a:xfrm rot="1589584">
+            <a:off x="6621139" y="1520329"/>
+            <a:ext cx="4594034" cy="1446550"/>
+          </a:xfrm>
+          <a:prstGeom prst="rect">
+            <a:avLst/>
+          </a:prstGeom>
+          <a:noFill/>
+        </p:spPr>
+        <p:txBody>
+          <a:bodyPr wrap="square" rtlCol="0">
+            <a:spAutoFit/>
+          </a:bodyPr>
+          <a:lstStyle/>
+          <a:p>
+            <a:pPr algn="ctr"/>
+            <a:r>
+              <a:rPr lang="pt-BR" sz="4400" dirty="0">
+                <a:latin typeface="Gill Sans ExtraBoldDisplay" panose="020B0400000000000000" pitchFamily="34" charset="0"/>
+              </a:rPr>
+              <a:t>Vamos para a prática?</a:t>
+            </a:r>
+          </a:p>
+        </p:txBody>
+      </p:sp>
+      <p:pic>
+        <p:nvPicPr>
+          <p:cNvPr id="4" name="Imagem 3" descr="Imagem em preto e branco">
+            <a:extLst>
+              <a:ext uri="{FF2B5EF4-FFF2-40B4-BE49-F238E27FC236}">
+                <a16:creationId xmlns:a16="http://schemas.microsoft.com/office/drawing/2014/main" id="{2190CC98-6628-CD2F-6065-F3ADC75313BA}"/>
+              </a:ext>
+            </a:extLst>
+          </p:cNvPr>
+          <p:cNvPicPr>
+            <a:picLocks noChangeAspect="1"/>
+          </p:cNvPicPr>
+          <p:nvPr/>
+        </p:nvPicPr>
+        <p:blipFill>
+          <a:blip r:embed="rId2">
+            <a:extLst>
+              <a:ext uri="{28A0092B-C50C-407E-A947-70E740481C1C}">
+                <a14:useLocalDpi xmlns:a14="http://schemas.microsoft.com/office/drawing/2010/main" val="0"/>
+              </a:ext>
+            </a:extLst>
+          </a:blip>
+          <a:stretch>
+            <a:fillRect/>
+          </a:stretch>
+        </p:blipFill>
+        <p:spPr>
+          <a:xfrm>
+            <a:off x="813316" y="380994"/>
+            <a:ext cx="6096012" cy="6096012"/>
+          </a:xfrm>
+          <a:prstGeom prst="rect">
+            <a:avLst/>
+          </a:prstGeom>
+        </p:spPr>
+      </p:pic>
+    </p:spTree>
+    <p:extLst>
+      <p:ext uri="{BB962C8B-B14F-4D97-AF65-F5344CB8AC3E}">
+        <p14:creationId xmlns:p14="http://schemas.microsoft.com/office/powerpoint/2010/main" val="2773001941"/>
       </p:ext>
     </p:extLst>
   </p:cSld>
